--- a/folderstructure/structure.pptx
+++ b/folderstructure/structure.pptx
@@ -104,6 +104,11 @@
       </a:defRPr>
     </a:lvl9pPr>
   </p:defaultTextStyle>
+  <p:extLst>
+    <p:ext uri="{EFAFB233-063F-42B5-8137-9DF3F51BA10A}">
+      <p15:sldGuideLst xmlns:p15="http://schemas.microsoft.com/office/powerpoint/2012/main"/>
+    </p:ext>
+  </p:extLst>
 </p:presentation>
 </file>
 
@@ -928,10 +933,9 @@
         <a:lstStyle/>
         <a:p>
           <a:r>
-            <a:rPr lang="nb-NO" sz="1800" dirty="0" err="1"/>
-            <a:t>project</a:t>
+            <a:rPr lang="nb-NO" sz="1800" dirty="0"/>
+            <a:t>project2</a:t>
           </a:r>
-          <a:endParaRPr lang="nb-NO" sz="1800" dirty="0"/>
         </a:p>
       </dgm:t>
     </dgm:pt>
@@ -966,7 +970,7 @@
         <a:p>
           <a:r>
             <a:rPr lang="nb-NO" sz="1800" dirty="0"/>
-            <a:t>myproject.py</a:t>
+            <a:t>main.py</a:t>
           </a:r>
         </a:p>
       </dgm:t>
@@ -1148,6 +1152,106 @@
         </a:p>
       </dgm:t>
     </dgm:pt>
+    <dgm:pt modelId="{0A993A97-937D-4CFD-8F3E-5B69C90A5F6F}">
+      <dgm:prSet phldrT="[Text]" custT="1"/>
+      <dgm:spPr>
+        <a:solidFill>
+          <a:schemeClr val="accent6">
+            <a:lumMod val="50000"/>
+          </a:schemeClr>
+        </a:solidFill>
+      </dgm:spPr>
+      <dgm:t>
+        <a:bodyPr/>
+        <a:lstStyle/>
+        <a:p>
+          <a:r>
+            <a:rPr lang="nb-NO" sz="1800" dirty="0"/>
+            <a:t>Project1</a:t>
+          </a:r>
+        </a:p>
+      </dgm:t>
+    </dgm:pt>
+    <dgm:pt modelId="{ACBFD00F-4615-4480-98EB-FD327A3D8762}" type="parTrans" cxnId="{2BAE375B-FE01-47DD-954E-42420FAB8C20}">
+      <dgm:prSet/>
+      <dgm:spPr/>
+      <dgm:t>
+        <a:bodyPr/>
+        <a:lstStyle/>
+        <a:p>
+          <a:endParaRPr lang="nb-NO"/>
+        </a:p>
+      </dgm:t>
+    </dgm:pt>
+    <dgm:pt modelId="{090474C7-58AA-4D47-89E3-EABC086367C8}" type="sibTrans" cxnId="{2BAE375B-FE01-47DD-954E-42420FAB8C20}">
+      <dgm:prSet/>
+      <dgm:spPr/>
+      <dgm:t>
+        <a:bodyPr/>
+        <a:lstStyle/>
+        <a:p>
+          <a:endParaRPr lang="nb-NO"/>
+        </a:p>
+      </dgm:t>
+    </dgm:pt>
+    <dgm:pt modelId="{88D2B5A6-6172-4606-AE34-FE7891443C38}">
+      <dgm:prSet phldrT="[Text]" custT="1"/>
+      <dgm:spPr>
+        <a:solidFill>
+          <a:srgbClr val="4472C4">
+            <a:hueOff val="0"/>
+            <a:satOff val="0"/>
+            <a:lumOff val="0"/>
+            <a:alphaOff val="0"/>
+          </a:srgbClr>
+        </a:solidFill>
+        <a:ln w="12700" cap="flat" cmpd="sng" algn="ctr">
+          <a:solidFill>
+            <a:prstClr val="white">
+              <a:hueOff val="0"/>
+              <a:satOff val="0"/>
+              <a:lumOff val="0"/>
+              <a:alphaOff val="0"/>
+            </a:prstClr>
+          </a:solidFill>
+          <a:prstDash val="solid"/>
+          <a:miter lim="800000"/>
+        </a:ln>
+        <a:effectLst/>
+      </dgm:spPr>
+      <dgm:t>
+        <a:bodyPr spcFirstLastPara="0" vert="horz" wrap="square" lIns="11430" tIns="11430" rIns="11430" bIns="11430" numCol="1" spcCol="1270" anchor="ctr" anchorCtr="0"/>
+        <a:lstStyle/>
+        <a:p>
+          <a:r>
+            <a:rPr lang="nb-NO" sz="1800" dirty="0"/>
+            <a:t>main.py</a:t>
+          </a:r>
+        </a:p>
+      </dgm:t>
+    </dgm:pt>
+    <dgm:pt modelId="{A7434FFF-45B9-44AF-ADA1-F6EB8362C409}" type="parTrans" cxnId="{AC9997A6-034C-424B-8C53-8B124258792A}">
+      <dgm:prSet/>
+      <dgm:spPr/>
+      <dgm:t>
+        <a:bodyPr/>
+        <a:lstStyle/>
+        <a:p>
+          <a:endParaRPr lang="nb-NO"/>
+        </a:p>
+      </dgm:t>
+    </dgm:pt>
+    <dgm:pt modelId="{E5C5829C-C21D-4B12-B6AC-4242F4CE884E}" type="sibTrans" cxnId="{AC9997A6-034C-424B-8C53-8B124258792A}">
+      <dgm:prSet/>
+      <dgm:spPr/>
+      <dgm:t>
+        <a:bodyPr/>
+        <a:lstStyle/>
+        <a:p>
+          <a:endParaRPr lang="nb-NO"/>
+        </a:p>
+      </dgm:t>
+    </dgm:pt>
     <dgm:pt modelId="{ED3163A0-5225-4A90-9D12-B5BDBC061F22}" type="pres">
       <dgm:prSet presAssocID="{B7768360-AB64-4E8F-81CB-1DFEE9E0DC79}" presName="diagram" presStyleCnt="0">
         <dgm:presLayoutVars>
@@ -1176,12 +1280,70 @@
       <dgm:prSet presAssocID="{CE5059F6-0E69-424A-A1E2-F9C15BE0B3F6}" presName="level2hierChild" presStyleCnt="0"/>
       <dgm:spPr/>
     </dgm:pt>
+    <dgm:pt modelId="{1906E22A-B686-4EAC-8E5C-5CDF439C5236}" type="pres">
+      <dgm:prSet presAssocID="{ACBFD00F-4615-4480-98EB-FD327A3D8762}" presName="conn2-1" presStyleLbl="parChTrans1D2" presStyleIdx="0" presStyleCnt="3"/>
+      <dgm:spPr/>
+    </dgm:pt>
+    <dgm:pt modelId="{02A4E05C-AD6F-44AC-B4E8-D812854542D2}" type="pres">
+      <dgm:prSet presAssocID="{ACBFD00F-4615-4480-98EB-FD327A3D8762}" presName="connTx" presStyleLbl="parChTrans1D2" presStyleIdx="0" presStyleCnt="3"/>
+      <dgm:spPr/>
+    </dgm:pt>
+    <dgm:pt modelId="{E0791A76-5B36-4F59-B2F5-7C927ED03ED0}" type="pres">
+      <dgm:prSet presAssocID="{0A993A97-937D-4CFD-8F3E-5B69C90A5F6F}" presName="root2" presStyleCnt="0"/>
+      <dgm:spPr/>
+    </dgm:pt>
+    <dgm:pt modelId="{6D849D88-3776-49E8-AD87-51842936BB0D}" type="pres">
+      <dgm:prSet presAssocID="{0A993A97-937D-4CFD-8F3E-5B69C90A5F6F}" presName="LevelTwoTextNode" presStyleLbl="node2" presStyleIdx="0" presStyleCnt="3">
+        <dgm:presLayoutVars>
+          <dgm:chPref val="3"/>
+        </dgm:presLayoutVars>
+      </dgm:prSet>
+      <dgm:spPr/>
+    </dgm:pt>
+    <dgm:pt modelId="{F0290EAA-5BE0-4E9F-A152-699F7C838457}" type="pres">
+      <dgm:prSet presAssocID="{0A993A97-937D-4CFD-8F3E-5B69C90A5F6F}" presName="level3hierChild" presStyleCnt="0"/>
+      <dgm:spPr/>
+    </dgm:pt>
+    <dgm:pt modelId="{F36CBE2B-B85A-42E6-A838-A29351B433F9}" type="pres">
+      <dgm:prSet presAssocID="{A7434FFF-45B9-44AF-ADA1-F6EB8362C409}" presName="conn2-1" presStyleLbl="parChTrans1D3" presStyleIdx="0" presStyleCnt="5"/>
+      <dgm:spPr/>
+    </dgm:pt>
+    <dgm:pt modelId="{B56291DF-7F59-4DAD-8772-A72FD152941B}" type="pres">
+      <dgm:prSet presAssocID="{A7434FFF-45B9-44AF-ADA1-F6EB8362C409}" presName="connTx" presStyleLbl="parChTrans1D3" presStyleIdx="0" presStyleCnt="5"/>
+      <dgm:spPr/>
+    </dgm:pt>
+    <dgm:pt modelId="{8CD72388-1BD1-49FB-99E3-E088FE737794}" type="pres">
+      <dgm:prSet presAssocID="{88D2B5A6-6172-4606-AE34-FE7891443C38}" presName="root2" presStyleCnt="0"/>
+      <dgm:spPr/>
+    </dgm:pt>
+    <dgm:pt modelId="{B9EB919D-D3F9-4C96-B884-CF8E6847D8B1}" type="pres">
+      <dgm:prSet presAssocID="{88D2B5A6-6172-4606-AE34-FE7891443C38}" presName="LevelTwoTextNode" presStyleLbl="node3" presStyleIdx="0" presStyleCnt="5">
+        <dgm:presLayoutVars>
+          <dgm:chPref val="3"/>
+        </dgm:presLayoutVars>
+      </dgm:prSet>
+      <dgm:spPr>
+        <a:xfrm>
+          <a:off x="4479884" y="1223"/>
+          <a:ext cx="1490839" cy="745419"/>
+        </a:xfrm>
+        <a:prstGeom prst="roundRect">
+          <a:avLst>
+            <a:gd name="adj" fmla="val 10000"/>
+          </a:avLst>
+        </a:prstGeom>
+      </dgm:spPr>
+    </dgm:pt>
+    <dgm:pt modelId="{4D28C3EE-8968-4225-AC4F-4F16E55DA12F}" type="pres">
+      <dgm:prSet presAssocID="{88D2B5A6-6172-4606-AE34-FE7891443C38}" presName="level3hierChild" presStyleCnt="0"/>
+      <dgm:spPr/>
+    </dgm:pt>
     <dgm:pt modelId="{88957D49-3B92-4B78-8378-ED248B315E0A}" type="pres">
-      <dgm:prSet presAssocID="{81252CAF-E0B1-44BF-9FEF-073EF19364D6}" presName="conn2-1" presStyleLbl="parChTrans1D2" presStyleIdx="0" presStyleCnt="2"/>
+      <dgm:prSet presAssocID="{81252CAF-E0B1-44BF-9FEF-073EF19364D6}" presName="conn2-1" presStyleLbl="parChTrans1D2" presStyleIdx="1" presStyleCnt="3"/>
       <dgm:spPr/>
     </dgm:pt>
     <dgm:pt modelId="{247BFA70-9EBD-4E35-9404-25EB1B0946B6}" type="pres">
-      <dgm:prSet presAssocID="{81252CAF-E0B1-44BF-9FEF-073EF19364D6}" presName="connTx" presStyleLbl="parChTrans1D2" presStyleIdx="0" presStyleCnt="2"/>
+      <dgm:prSet presAssocID="{81252CAF-E0B1-44BF-9FEF-073EF19364D6}" presName="connTx" presStyleLbl="parChTrans1D2" presStyleIdx="1" presStyleCnt="3"/>
       <dgm:spPr/>
     </dgm:pt>
     <dgm:pt modelId="{7ED90FA7-B6FD-48A3-97AD-4B21400A224C}" type="pres">
@@ -1189,7 +1351,7 @@
       <dgm:spPr/>
     </dgm:pt>
     <dgm:pt modelId="{2CF7503E-BCBB-4FFB-93A2-567BCE51FF1C}" type="pres">
-      <dgm:prSet presAssocID="{49C99FC8-DE25-48AF-A04E-E7B0B4D25C7F}" presName="LevelTwoTextNode" presStyleLbl="node2" presStyleIdx="0" presStyleCnt="2">
+      <dgm:prSet presAssocID="{49C99FC8-DE25-48AF-A04E-E7B0B4D25C7F}" presName="LevelTwoTextNode" presStyleLbl="node2" presStyleIdx="1" presStyleCnt="3">
         <dgm:presLayoutVars>
           <dgm:chPref val="3"/>
         </dgm:presLayoutVars>
@@ -1201,11 +1363,11 @@
       <dgm:spPr/>
     </dgm:pt>
     <dgm:pt modelId="{4ED19001-C940-4E07-BE7E-EF171D3E2593}" type="pres">
-      <dgm:prSet presAssocID="{49DF5C2C-5762-4BD7-832E-2322E7869F31}" presName="conn2-1" presStyleLbl="parChTrans1D3" presStyleIdx="0" presStyleCnt="4"/>
+      <dgm:prSet presAssocID="{49DF5C2C-5762-4BD7-832E-2322E7869F31}" presName="conn2-1" presStyleLbl="parChTrans1D3" presStyleIdx="1" presStyleCnt="5"/>
       <dgm:spPr/>
     </dgm:pt>
     <dgm:pt modelId="{450F2E98-7A90-4C9A-8564-C4AFBCBF68FC}" type="pres">
-      <dgm:prSet presAssocID="{49DF5C2C-5762-4BD7-832E-2322E7869F31}" presName="connTx" presStyleLbl="parChTrans1D3" presStyleIdx="0" presStyleCnt="4"/>
+      <dgm:prSet presAssocID="{49DF5C2C-5762-4BD7-832E-2322E7869F31}" presName="connTx" presStyleLbl="parChTrans1D3" presStyleIdx="1" presStyleCnt="5"/>
       <dgm:spPr/>
     </dgm:pt>
     <dgm:pt modelId="{E140B54D-90AF-4222-89F3-59BB15139D7A}" type="pres">
@@ -1213,7 +1375,7 @@
       <dgm:spPr/>
     </dgm:pt>
     <dgm:pt modelId="{127D5E68-0366-45F6-9876-B8A343324F3C}" type="pres">
-      <dgm:prSet presAssocID="{E70278CF-B33B-48EC-B8A0-28BED7C34D5D}" presName="LevelTwoTextNode" presStyleLbl="node3" presStyleIdx="0" presStyleCnt="4">
+      <dgm:prSet presAssocID="{E70278CF-B33B-48EC-B8A0-28BED7C34D5D}" presName="LevelTwoTextNode" presStyleLbl="node3" presStyleIdx="1" presStyleCnt="5">
         <dgm:presLayoutVars>
           <dgm:chPref val="3"/>
         </dgm:presLayoutVars>
@@ -1225,11 +1387,11 @@
       <dgm:spPr/>
     </dgm:pt>
     <dgm:pt modelId="{24142CD8-CA9C-411F-B6DA-E34832DC94A8}" type="pres">
-      <dgm:prSet presAssocID="{E8BA3D39-BDC1-4946-9593-2E79DABF2EDD}" presName="conn2-1" presStyleLbl="parChTrans1D2" presStyleIdx="1" presStyleCnt="2"/>
+      <dgm:prSet presAssocID="{E8BA3D39-BDC1-4946-9593-2E79DABF2EDD}" presName="conn2-1" presStyleLbl="parChTrans1D2" presStyleIdx="2" presStyleCnt="3"/>
       <dgm:spPr/>
     </dgm:pt>
     <dgm:pt modelId="{81D56306-D5F1-4C97-A510-6739E81AA9EE}" type="pres">
-      <dgm:prSet presAssocID="{E8BA3D39-BDC1-4946-9593-2E79DABF2EDD}" presName="connTx" presStyleLbl="parChTrans1D2" presStyleIdx="1" presStyleCnt="2"/>
+      <dgm:prSet presAssocID="{E8BA3D39-BDC1-4946-9593-2E79DABF2EDD}" presName="connTx" presStyleLbl="parChTrans1D2" presStyleIdx="2" presStyleCnt="3"/>
       <dgm:spPr/>
     </dgm:pt>
     <dgm:pt modelId="{587563C8-086D-46C4-8B03-BD4C90F93793}" type="pres">
@@ -1237,7 +1399,7 @@
       <dgm:spPr/>
     </dgm:pt>
     <dgm:pt modelId="{BE59C136-737E-4FD5-871A-AB62C69237FE}" type="pres">
-      <dgm:prSet presAssocID="{58202C2F-AA6D-4401-B9F3-50B7AE2E71F5}" presName="LevelTwoTextNode" presStyleLbl="node2" presStyleIdx="1" presStyleCnt="2">
+      <dgm:prSet presAssocID="{58202C2F-AA6D-4401-B9F3-50B7AE2E71F5}" presName="LevelTwoTextNode" presStyleLbl="node2" presStyleIdx="2" presStyleCnt="3">
         <dgm:presLayoutVars>
           <dgm:chPref val="3"/>
         </dgm:presLayoutVars>
@@ -1249,11 +1411,11 @@
       <dgm:spPr/>
     </dgm:pt>
     <dgm:pt modelId="{A48D5D06-FEE2-4B33-A232-12442A1E2DDB}" type="pres">
-      <dgm:prSet presAssocID="{BE6748CE-8BDF-4DB2-9D49-99DAFF2BD74D}" presName="conn2-1" presStyleLbl="parChTrans1D3" presStyleIdx="1" presStyleCnt="4"/>
+      <dgm:prSet presAssocID="{BE6748CE-8BDF-4DB2-9D49-99DAFF2BD74D}" presName="conn2-1" presStyleLbl="parChTrans1D3" presStyleIdx="2" presStyleCnt="5"/>
       <dgm:spPr/>
     </dgm:pt>
     <dgm:pt modelId="{4D3E1405-464E-45DA-981E-FC4FF557173C}" type="pres">
-      <dgm:prSet presAssocID="{BE6748CE-8BDF-4DB2-9D49-99DAFF2BD74D}" presName="connTx" presStyleLbl="parChTrans1D3" presStyleIdx="1" presStyleCnt="4"/>
+      <dgm:prSet presAssocID="{BE6748CE-8BDF-4DB2-9D49-99DAFF2BD74D}" presName="connTx" presStyleLbl="parChTrans1D3" presStyleIdx="2" presStyleCnt="5"/>
       <dgm:spPr/>
     </dgm:pt>
     <dgm:pt modelId="{F0B49B60-3006-4C7D-B397-43D4E400F8A0}" type="pres">
@@ -1261,7 +1423,7 @@
       <dgm:spPr/>
     </dgm:pt>
     <dgm:pt modelId="{4E7AB27D-50E1-4C74-A5AE-918F16657F8A}" type="pres">
-      <dgm:prSet presAssocID="{214911BE-58B8-46A3-8ABD-71D12F6D72E1}" presName="LevelTwoTextNode" presStyleLbl="node3" presStyleIdx="1" presStyleCnt="4">
+      <dgm:prSet presAssocID="{214911BE-58B8-46A3-8ABD-71D12F6D72E1}" presName="LevelTwoTextNode" presStyleLbl="node3" presStyleIdx="2" presStyleCnt="5">
         <dgm:presLayoutVars>
           <dgm:chPref val="3"/>
         </dgm:presLayoutVars>
@@ -1273,11 +1435,11 @@
       <dgm:spPr/>
     </dgm:pt>
     <dgm:pt modelId="{8622CF06-5B57-4AE9-BDA2-B00464DC3DF4}" type="pres">
-      <dgm:prSet presAssocID="{86E4289A-17E5-460C-96D0-762148F42A4D}" presName="conn2-1" presStyleLbl="parChTrans1D3" presStyleIdx="2" presStyleCnt="4"/>
+      <dgm:prSet presAssocID="{86E4289A-17E5-460C-96D0-762148F42A4D}" presName="conn2-1" presStyleLbl="parChTrans1D3" presStyleIdx="3" presStyleCnt="5"/>
       <dgm:spPr/>
     </dgm:pt>
     <dgm:pt modelId="{182CD8EE-FBE7-4BB6-B426-D658C1808C5F}" type="pres">
-      <dgm:prSet presAssocID="{86E4289A-17E5-460C-96D0-762148F42A4D}" presName="connTx" presStyleLbl="parChTrans1D3" presStyleIdx="2" presStyleCnt="4"/>
+      <dgm:prSet presAssocID="{86E4289A-17E5-460C-96D0-762148F42A4D}" presName="connTx" presStyleLbl="parChTrans1D3" presStyleIdx="3" presStyleCnt="5"/>
       <dgm:spPr/>
     </dgm:pt>
     <dgm:pt modelId="{AAE4FE34-3C02-4554-BF6E-AFD95DBBA854}" type="pres">
@@ -1285,7 +1447,7 @@
       <dgm:spPr/>
     </dgm:pt>
     <dgm:pt modelId="{2A1DA7E9-FCC8-4953-ABCC-7C18FB4F64D0}" type="pres">
-      <dgm:prSet presAssocID="{10C7AA0D-9B6D-4C7E-9044-E89233053C9A}" presName="LevelTwoTextNode" presStyleLbl="node3" presStyleIdx="2" presStyleCnt="4">
+      <dgm:prSet presAssocID="{10C7AA0D-9B6D-4C7E-9044-E89233053C9A}" presName="LevelTwoTextNode" presStyleLbl="node3" presStyleIdx="3" presStyleCnt="5">
         <dgm:presLayoutVars>
           <dgm:chPref val="3"/>
         </dgm:presLayoutVars>
@@ -1297,11 +1459,11 @@
       <dgm:spPr/>
     </dgm:pt>
     <dgm:pt modelId="{C69FEE0F-1F22-44F1-A749-643C2967A977}" type="pres">
-      <dgm:prSet presAssocID="{20C27947-D72A-49C7-A0D0-620BE4AB3B37}" presName="conn2-1" presStyleLbl="parChTrans1D3" presStyleIdx="3" presStyleCnt="4"/>
+      <dgm:prSet presAssocID="{20C27947-D72A-49C7-A0D0-620BE4AB3B37}" presName="conn2-1" presStyleLbl="parChTrans1D3" presStyleIdx="4" presStyleCnt="5"/>
       <dgm:spPr/>
     </dgm:pt>
     <dgm:pt modelId="{9D1D0CE1-2A79-4972-A40E-2F9D89204263}" type="pres">
-      <dgm:prSet presAssocID="{20C27947-D72A-49C7-A0D0-620BE4AB3B37}" presName="connTx" presStyleLbl="parChTrans1D3" presStyleIdx="3" presStyleCnt="4"/>
+      <dgm:prSet presAssocID="{20C27947-D72A-49C7-A0D0-620BE4AB3B37}" presName="connTx" presStyleLbl="parChTrans1D3" presStyleIdx="4" presStyleCnt="5"/>
       <dgm:spPr/>
     </dgm:pt>
     <dgm:pt modelId="{0EF2FC6D-BDC6-4C90-89F0-85FFC1A980E5}" type="pres">
@@ -1309,7 +1471,7 @@
       <dgm:spPr/>
     </dgm:pt>
     <dgm:pt modelId="{F5971B80-431D-459E-9EB6-AAD7E2D5CAB6}" type="pres">
-      <dgm:prSet presAssocID="{110DBFCC-60F4-4710-A79A-33D625D29D4E}" presName="LevelTwoTextNode" presStyleLbl="node3" presStyleIdx="3" presStyleCnt="4">
+      <dgm:prSet presAssocID="{110DBFCC-60F4-4710-A79A-33D625D29D4E}" presName="LevelTwoTextNode" presStyleLbl="node3" presStyleIdx="4" presStyleCnt="5">
         <dgm:presLayoutVars>
           <dgm:chPref val="3"/>
         </dgm:presLayoutVars>
@@ -1322,66 +1484,84 @@
     </dgm:pt>
   </dgm:ptLst>
   <dgm:cxnLst>
+    <dgm:cxn modelId="{5372A907-7901-478F-9496-A341E2231E1D}" type="presOf" srcId="{ACBFD00F-4615-4480-98EB-FD327A3D8762}" destId="{02A4E05C-AD6F-44AC-B4E8-D812854542D2}" srcOrd="1" destOrd="0" presId="urn:microsoft.com/office/officeart/2005/8/layout/hierarchy2"/>
+    <dgm:cxn modelId="{97D95F0C-103D-4124-A03F-9FCA2026720E}" type="presOf" srcId="{20C27947-D72A-49C7-A0D0-620BE4AB3B37}" destId="{C69FEE0F-1F22-44F1-A749-643C2967A977}" srcOrd="0" destOrd="0" presId="urn:microsoft.com/office/officeart/2005/8/layout/hierarchy2"/>
+    <dgm:cxn modelId="{AAE60D0E-9AF3-40BD-8284-ACE0EAE158EC}" type="presOf" srcId="{110DBFCC-60F4-4710-A79A-33D625D29D4E}" destId="{F5971B80-431D-459E-9EB6-AAD7E2D5CAB6}" srcOrd="0" destOrd="0" presId="urn:microsoft.com/office/officeart/2005/8/layout/hierarchy2"/>
+    <dgm:cxn modelId="{2C5D5812-BB53-4580-B8E3-4EF23A0881F9}" type="presOf" srcId="{49C99FC8-DE25-48AF-A04E-E7B0B4D25C7F}" destId="{2CF7503E-BCBB-4FFB-93A2-567BCE51FF1C}" srcOrd="0" destOrd="0" presId="urn:microsoft.com/office/officeart/2005/8/layout/hierarchy2"/>
     <dgm:cxn modelId="{11663717-E8B3-4C60-B4D2-F622B9E3C540}" srcId="{58202C2F-AA6D-4401-B9F3-50B7AE2E71F5}" destId="{10C7AA0D-9B6D-4C7E-9044-E89233053C9A}" srcOrd="1" destOrd="0" parTransId="{86E4289A-17E5-460C-96D0-762148F42A4D}" sibTransId="{051557B0-DCCF-48CE-8760-100BEBD0EF0F}"/>
-    <dgm:cxn modelId="{5473C61D-BDA5-4A0B-8B7A-1B3CA2840AEE}" type="presOf" srcId="{E70278CF-B33B-48EC-B8A0-28BED7C34D5D}" destId="{127D5E68-0366-45F6-9876-B8A343324F3C}" srcOrd="0" destOrd="0" presId="urn:microsoft.com/office/officeart/2005/8/layout/hierarchy2"/>
-    <dgm:cxn modelId="{EDB8C525-5D6B-4B54-89F3-943D1410E9E7}" type="presOf" srcId="{81252CAF-E0B1-44BF-9FEF-073EF19364D6}" destId="{247BFA70-9EBD-4E35-9404-25EB1B0946B6}" srcOrd="1" destOrd="0" presId="urn:microsoft.com/office/officeart/2005/8/layout/hierarchy2"/>
+    <dgm:cxn modelId="{DF5D6320-B030-45AD-8F37-66E9AD66284E}" type="presOf" srcId="{49DF5C2C-5762-4BD7-832E-2322E7869F31}" destId="{450F2E98-7A90-4C9A-8564-C4AFBCBF68FC}" srcOrd="1" destOrd="0" presId="urn:microsoft.com/office/officeart/2005/8/layout/hierarchy2"/>
+    <dgm:cxn modelId="{FD1A0724-6729-4E1E-9435-03C02FC56273}" type="presOf" srcId="{10C7AA0D-9B6D-4C7E-9044-E89233053C9A}" destId="{2A1DA7E9-FCC8-4953-ABCC-7C18FB4F64D0}" srcOrd="0" destOrd="0" presId="urn:microsoft.com/office/officeart/2005/8/layout/hierarchy2"/>
     <dgm:cxn modelId="{3DCF2229-EC92-4FD3-BFB6-D8B88456121D}" type="presOf" srcId="{CE5059F6-0E69-424A-A1E2-F9C15BE0B3F6}" destId="{464150E0-23B7-46D3-B520-13D3C3C2F45B}" srcOrd="0" destOrd="0" presId="urn:microsoft.com/office/officeart/2005/8/layout/hierarchy2"/>
-    <dgm:cxn modelId="{96956229-27E8-443C-BB64-193D57CB2363}" type="presOf" srcId="{49C99FC8-DE25-48AF-A04E-E7B0B4D25C7F}" destId="{2CF7503E-BCBB-4FFB-93A2-567BCE51FF1C}" srcOrd="0" destOrd="0" presId="urn:microsoft.com/office/officeart/2005/8/layout/hierarchy2"/>
-    <dgm:cxn modelId="{96B90937-2823-452F-909D-FA3E15E3D94E}" type="presOf" srcId="{20C27947-D72A-49C7-A0D0-620BE4AB3B37}" destId="{9D1D0CE1-2A79-4972-A40E-2F9D89204263}" srcOrd="1" destOrd="0" presId="urn:microsoft.com/office/officeart/2005/8/layout/hierarchy2"/>
-    <dgm:cxn modelId="{44EFD03D-258F-4ADE-82C9-4F644B2005F1}" type="presOf" srcId="{E8BA3D39-BDC1-4946-9593-2E79DABF2EDD}" destId="{24142CD8-CA9C-411F-B6DA-E34832DC94A8}" srcOrd="0" destOrd="0" presId="urn:microsoft.com/office/officeart/2005/8/layout/hierarchy2"/>
-    <dgm:cxn modelId="{E9CBAA5F-5732-4017-B66B-AD4385B1A458}" type="presOf" srcId="{20C27947-D72A-49C7-A0D0-620BE4AB3B37}" destId="{C69FEE0F-1F22-44F1-A749-643C2967A977}" srcOrd="0" destOrd="0" presId="urn:microsoft.com/office/officeart/2005/8/layout/hierarchy2"/>
-    <dgm:cxn modelId="{F189DB60-A249-4C32-8147-C03FFC493E7B}" type="presOf" srcId="{214911BE-58B8-46A3-8ABD-71D12F6D72E1}" destId="{4E7AB27D-50E1-4C74-A5AE-918F16657F8A}" srcOrd="0" destOrd="0" presId="urn:microsoft.com/office/officeart/2005/8/layout/hierarchy2"/>
+    <dgm:cxn modelId="{74667032-AAA4-4A2E-98D5-494A4B06FB46}" type="presOf" srcId="{BE6748CE-8BDF-4DB2-9D49-99DAFF2BD74D}" destId="{A48D5D06-FEE2-4B33-A232-12442A1E2DDB}" srcOrd="0" destOrd="0" presId="urn:microsoft.com/office/officeart/2005/8/layout/hierarchy2"/>
+    <dgm:cxn modelId="{ADC5EC3A-F31A-4E7D-AA40-D588543B7894}" type="presOf" srcId="{BE6748CE-8BDF-4DB2-9D49-99DAFF2BD74D}" destId="{4D3E1405-464E-45DA-981E-FC4FF557173C}" srcOrd="1" destOrd="0" presId="urn:microsoft.com/office/officeart/2005/8/layout/hierarchy2"/>
+    <dgm:cxn modelId="{2BAE375B-FE01-47DD-954E-42420FAB8C20}" srcId="{CE5059F6-0E69-424A-A1E2-F9C15BE0B3F6}" destId="{0A993A97-937D-4CFD-8F3E-5B69C90A5F6F}" srcOrd="0" destOrd="0" parTransId="{ACBFD00F-4615-4480-98EB-FD327A3D8762}" sibTransId="{090474C7-58AA-4D47-89E3-EABC086367C8}"/>
     <dgm:cxn modelId="{8547FF65-B97B-4017-8265-8C81C82FBA8B}" srcId="{B7768360-AB64-4E8F-81CB-1DFEE9E0DC79}" destId="{CE5059F6-0E69-424A-A1E2-F9C15BE0B3F6}" srcOrd="0" destOrd="0" parTransId="{4B3BFD3A-393B-4CEB-A2D0-544A6951FB79}" sibTransId="{00F9AA8C-C6E8-4F89-B640-9AB001A22D9E}"/>
-    <dgm:cxn modelId="{9C301568-6CAA-4F7E-BB4B-7E380BDE018E}" type="presOf" srcId="{49DF5C2C-5762-4BD7-832E-2322E7869F31}" destId="{4ED19001-C940-4E07-BE7E-EF171D3E2593}" srcOrd="0" destOrd="0" presId="urn:microsoft.com/office/officeart/2005/8/layout/hierarchy2"/>
-    <dgm:cxn modelId="{1581086C-E804-41EC-8683-8CD3E197A71B}" srcId="{CE5059F6-0E69-424A-A1E2-F9C15BE0B3F6}" destId="{49C99FC8-DE25-48AF-A04E-E7B0B4D25C7F}" srcOrd="0" destOrd="0" parTransId="{81252CAF-E0B1-44BF-9FEF-073EF19364D6}" sibTransId="{3AEB2AF2-6F7C-4D94-BCC5-F2BE69556AF0}"/>
-    <dgm:cxn modelId="{509B0E73-6B05-46EC-B509-E5E1E0337CD1}" type="presOf" srcId="{86E4289A-17E5-460C-96D0-762148F42A4D}" destId="{8622CF06-5B57-4AE9-BDA2-B00464DC3DF4}" srcOrd="0" destOrd="0" presId="urn:microsoft.com/office/officeart/2005/8/layout/hierarchy2"/>
-    <dgm:cxn modelId="{A85E5173-F7E5-4685-B3E5-3DA7B3951C7E}" type="presOf" srcId="{49DF5C2C-5762-4BD7-832E-2322E7869F31}" destId="{450F2E98-7A90-4C9A-8564-C4AFBCBF68FC}" srcOrd="1" destOrd="0" presId="urn:microsoft.com/office/officeart/2005/8/layout/hierarchy2"/>
-    <dgm:cxn modelId="{C168A153-5658-48BE-9E6C-4A069EB7B665}" type="presOf" srcId="{10C7AA0D-9B6D-4C7E-9044-E89233053C9A}" destId="{2A1DA7E9-FCC8-4953-ABCC-7C18FB4F64D0}" srcOrd="0" destOrd="0" presId="urn:microsoft.com/office/officeart/2005/8/layout/hierarchy2"/>
-    <dgm:cxn modelId="{032A2156-9CCA-426D-9998-D4C2254C454D}" srcId="{CE5059F6-0E69-424A-A1E2-F9C15BE0B3F6}" destId="{58202C2F-AA6D-4401-B9F3-50B7AE2E71F5}" srcOrd="1" destOrd="0" parTransId="{E8BA3D39-BDC1-4946-9593-2E79DABF2EDD}" sibTransId="{AAE4046B-68C4-49A3-AE3C-321EE8E79979}"/>
+    <dgm:cxn modelId="{1581086C-E804-41EC-8683-8CD3E197A71B}" srcId="{CE5059F6-0E69-424A-A1E2-F9C15BE0B3F6}" destId="{49C99FC8-DE25-48AF-A04E-E7B0B4D25C7F}" srcOrd="1" destOrd="0" parTransId="{81252CAF-E0B1-44BF-9FEF-073EF19364D6}" sibTransId="{3AEB2AF2-6F7C-4D94-BCC5-F2BE69556AF0}"/>
+    <dgm:cxn modelId="{ADD25C6C-9A10-4FF3-838F-096E49039F32}" type="presOf" srcId="{E8BA3D39-BDC1-4946-9593-2E79DABF2EDD}" destId="{24142CD8-CA9C-411F-B6DA-E34832DC94A8}" srcOrd="0" destOrd="0" presId="urn:microsoft.com/office/officeart/2005/8/layout/hierarchy2"/>
+    <dgm:cxn modelId="{BFAC3851-85F9-44AB-8DF5-AFFE4C38C72B}" type="presOf" srcId="{ACBFD00F-4615-4480-98EB-FD327A3D8762}" destId="{1906E22A-B686-4EAC-8E5C-5CDF439C5236}" srcOrd="0" destOrd="0" presId="urn:microsoft.com/office/officeart/2005/8/layout/hierarchy2"/>
+    <dgm:cxn modelId="{71EB6B74-767D-49F9-BDD6-AF5804B8F703}" type="presOf" srcId="{A7434FFF-45B9-44AF-ADA1-F6EB8362C409}" destId="{B56291DF-7F59-4DAD-8772-A72FD152941B}" srcOrd="1" destOrd="0" presId="urn:microsoft.com/office/officeart/2005/8/layout/hierarchy2"/>
+    <dgm:cxn modelId="{032A2156-9CCA-426D-9998-D4C2254C454D}" srcId="{CE5059F6-0E69-424A-A1E2-F9C15BE0B3F6}" destId="{58202C2F-AA6D-4401-B9F3-50B7AE2E71F5}" srcOrd="2" destOrd="0" parTransId="{E8BA3D39-BDC1-4946-9593-2E79DABF2EDD}" sibTransId="{AAE4046B-68C4-49A3-AE3C-321EE8E79979}"/>
+    <dgm:cxn modelId="{693F7657-B701-4C34-BDF1-DB1AA332E9E3}" type="presOf" srcId="{20C27947-D72A-49C7-A0D0-620BE4AB3B37}" destId="{9D1D0CE1-2A79-4972-A40E-2F9D89204263}" srcOrd="1" destOrd="0" presId="urn:microsoft.com/office/officeart/2005/8/layout/hierarchy2"/>
     <dgm:cxn modelId="{4834BF7A-9733-4FF5-B65B-95616F47790B}" type="presOf" srcId="{B7768360-AB64-4E8F-81CB-1DFEE9E0DC79}" destId="{ED3163A0-5225-4A90-9D12-B5BDBC061F22}" srcOrd="0" destOrd="0" presId="urn:microsoft.com/office/officeart/2005/8/layout/hierarchy2"/>
-    <dgm:cxn modelId="{F8558D82-2BF0-4011-B806-AAD467E6404E}" type="presOf" srcId="{BE6748CE-8BDF-4DB2-9D49-99DAFF2BD74D}" destId="{A48D5D06-FEE2-4B33-A232-12442A1E2DDB}" srcOrd="0" destOrd="0" presId="urn:microsoft.com/office/officeart/2005/8/layout/hierarchy2"/>
-    <dgm:cxn modelId="{3961CB95-84A5-47DF-8CD8-B668379176D7}" type="presOf" srcId="{58202C2F-AA6D-4401-B9F3-50B7AE2E71F5}" destId="{BE59C136-737E-4FD5-871A-AB62C69237FE}" srcOrd="0" destOrd="0" presId="urn:microsoft.com/office/officeart/2005/8/layout/hierarchy2"/>
-    <dgm:cxn modelId="{BB90619F-C968-434E-93CD-444C0D616142}" type="presOf" srcId="{BE6748CE-8BDF-4DB2-9D49-99DAFF2BD74D}" destId="{4D3E1405-464E-45DA-981E-FC4FF557173C}" srcOrd="1" destOrd="0" presId="urn:microsoft.com/office/officeart/2005/8/layout/hierarchy2"/>
-    <dgm:cxn modelId="{9D805DA8-9F7C-4201-A1DE-E603DC4E6494}" type="presOf" srcId="{110DBFCC-60F4-4710-A79A-33D625D29D4E}" destId="{F5971B80-431D-459E-9EB6-AAD7E2D5CAB6}" srcOrd="0" destOrd="0" presId="urn:microsoft.com/office/officeart/2005/8/layout/hierarchy2"/>
+    <dgm:cxn modelId="{1F7F7585-DEEF-4706-A662-069FA032FE53}" type="presOf" srcId="{81252CAF-E0B1-44BF-9FEF-073EF19364D6}" destId="{88957D49-3B92-4B78-8378-ED248B315E0A}" srcOrd="0" destOrd="0" presId="urn:microsoft.com/office/officeart/2005/8/layout/hierarchy2"/>
+    <dgm:cxn modelId="{9B939BA0-E9AF-4B5B-8351-9305C3DF9207}" type="presOf" srcId="{81252CAF-E0B1-44BF-9FEF-073EF19364D6}" destId="{247BFA70-9EBD-4E35-9404-25EB1B0946B6}" srcOrd="1" destOrd="0" presId="urn:microsoft.com/office/officeart/2005/8/layout/hierarchy2"/>
+    <dgm:cxn modelId="{AC9997A6-034C-424B-8C53-8B124258792A}" srcId="{0A993A97-937D-4CFD-8F3E-5B69C90A5F6F}" destId="{88D2B5A6-6172-4606-AE34-FE7891443C38}" srcOrd="0" destOrd="0" parTransId="{A7434FFF-45B9-44AF-ADA1-F6EB8362C409}" sibTransId="{E5C5829C-C21D-4B12-B6AC-4242F4CE884E}"/>
     <dgm:cxn modelId="{094C30B5-E875-4F8B-AAA7-644CADE2E250}" srcId="{58202C2F-AA6D-4401-B9F3-50B7AE2E71F5}" destId="{110DBFCC-60F4-4710-A79A-33D625D29D4E}" srcOrd="2" destOrd="0" parTransId="{20C27947-D72A-49C7-A0D0-620BE4AB3B37}" sibTransId="{E178E088-B064-4EE6-9EA1-F365E84D1B34}"/>
-    <dgm:cxn modelId="{4E603BC7-69D4-4DAE-B716-8D8F6738A701}" type="presOf" srcId="{81252CAF-E0B1-44BF-9FEF-073EF19364D6}" destId="{88957D49-3B92-4B78-8378-ED248B315E0A}" srcOrd="0" destOrd="0" presId="urn:microsoft.com/office/officeart/2005/8/layout/hierarchy2"/>
-    <dgm:cxn modelId="{8D767EC8-AE44-486A-9E75-6E17A33633CE}" type="presOf" srcId="{E8BA3D39-BDC1-4946-9593-2E79DABF2EDD}" destId="{81D56306-D5F1-4C97-A510-6739E81AA9EE}" srcOrd="1" destOrd="0" presId="urn:microsoft.com/office/officeart/2005/8/layout/hierarchy2"/>
+    <dgm:cxn modelId="{A9AF8ABF-1665-4695-82C8-FB14A5FC1A18}" type="presOf" srcId="{E8BA3D39-BDC1-4946-9593-2E79DABF2EDD}" destId="{81D56306-D5F1-4C97-A510-6739E81AA9EE}" srcOrd="1" destOrd="0" presId="urn:microsoft.com/office/officeart/2005/8/layout/hierarchy2"/>
+    <dgm:cxn modelId="{81D1E4BF-D49F-4965-BA4D-ACE2B0EE83EC}" type="presOf" srcId="{58202C2F-AA6D-4401-B9F3-50B7AE2E71F5}" destId="{BE59C136-737E-4FD5-871A-AB62C69237FE}" srcOrd="0" destOrd="0" presId="urn:microsoft.com/office/officeart/2005/8/layout/hierarchy2"/>
+    <dgm:cxn modelId="{7E5ED2C7-9E99-44CA-9047-93BE5F1A45AA}" type="presOf" srcId="{E70278CF-B33B-48EC-B8A0-28BED7C34D5D}" destId="{127D5E68-0366-45F6-9876-B8A343324F3C}" srcOrd="0" destOrd="0" presId="urn:microsoft.com/office/officeart/2005/8/layout/hierarchy2"/>
+    <dgm:cxn modelId="{82603ED2-4F08-4B42-B95A-193F41140BEE}" type="presOf" srcId="{A7434FFF-45B9-44AF-ADA1-F6EB8362C409}" destId="{F36CBE2B-B85A-42E6-A838-A29351B433F9}" srcOrd="0" destOrd="0" presId="urn:microsoft.com/office/officeart/2005/8/layout/hierarchy2"/>
     <dgm:cxn modelId="{A2D6FBD9-ECB1-4FBA-B852-54F1E85FE734}" srcId="{58202C2F-AA6D-4401-B9F3-50B7AE2E71F5}" destId="{214911BE-58B8-46A3-8ABD-71D12F6D72E1}" srcOrd="0" destOrd="0" parTransId="{BE6748CE-8BDF-4DB2-9D49-99DAFF2BD74D}" sibTransId="{B4FF55E5-5F84-4D0C-974C-DEF902A1C759}"/>
+    <dgm:cxn modelId="{C98A77DA-3BC0-4DC0-919F-E5FF43C2BDBE}" type="presOf" srcId="{0A993A97-937D-4CFD-8F3E-5B69C90A5F6F}" destId="{6D849D88-3776-49E8-AD87-51842936BB0D}" srcOrd="0" destOrd="0" presId="urn:microsoft.com/office/officeart/2005/8/layout/hierarchy2"/>
+    <dgm:cxn modelId="{A32902DC-5865-4C03-BE2C-1B14DC44DDAC}" type="presOf" srcId="{86E4289A-17E5-460C-96D0-762148F42A4D}" destId="{182CD8EE-FBE7-4BB6-B426-D658C1808C5F}" srcOrd="1" destOrd="0" presId="urn:microsoft.com/office/officeart/2005/8/layout/hierarchy2"/>
     <dgm:cxn modelId="{9F3936DD-0EBD-4FCE-9DD2-16220BC44CC4}" srcId="{49C99FC8-DE25-48AF-A04E-E7B0B4D25C7F}" destId="{E70278CF-B33B-48EC-B8A0-28BED7C34D5D}" srcOrd="0" destOrd="0" parTransId="{49DF5C2C-5762-4BD7-832E-2322E7869F31}" sibTransId="{D616C6D7-5194-4128-B774-FDC5ACFA4650}"/>
-    <dgm:cxn modelId="{480E56E8-01A6-4470-8728-6C619EE6A29D}" type="presOf" srcId="{86E4289A-17E5-460C-96D0-762148F42A4D}" destId="{182CD8EE-FBE7-4BB6-B426-D658C1808C5F}" srcOrd="1" destOrd="0" presId="urn:microsoft.com/office/officeart/2005/8/layout/hierarchy2"/>
+    <dgm:cxn modelId="{C06260E3-A7DF-4739-A906-1142A6060A40}" type="presOf" srcId="{214911BE-58B8-46A3-8ABD-71D12F6D72E1}" destId="{4E7AB27D-50E1-4C74-A5AE-918F16657F8A}" srcOrd="0" destOrd="0" presId="urn:microsoft.com/office/officeart/2005/8/layout/hierarchy2"/>
+    <dgm:cxn modelId="{AF9717F5-0151-4E9D-A2F4-FB402B1ED7D5}" type="presOf" srcId="{88D2B5A6-6172-4606-AE34-FE7891443C38}" destId="{B9EB919D-D3F9-4C96-B884-CF8E6847D8B1}" srcOrd="0" destOrd="0" presId="urn:microsoft.com/office/officeart/2005/8/layout/hierarchy2"/>
+    <dgm:cxn modelId="{A9EA21FD-955D-40C8-BFF1-AC5E710325C2}" type="presOf" srcId="{86E4289A-17E5-460C-96D0-762148F42A4D}" destId="{8622CF06-5B57-4AE9-BDA2-B00464DC3DF4}" srcOrd="0" destOrd="0" presId="urn:microsoft.com/office/officeart/2005/8/layout/hierarchy2"/>
+    <dgm:cxn modelId="{915A39FE-C4A4-4B5A-9684-FD2F99A3D09A}" type="presOf" srcId="{49DF5C2C-5762-4BD7-832E-2322E7869F31}" destId="{4ED19001-C940-4E07-BE7E-EF171D3E2593}" srcOrd="0" destOrd="0" presId="urn:microsoft.com/office/officeart/2005/8/layout/hierarchy2"/>
     <dgm:cxn modelId="{446AD83F-70DC-42E0-B175-E00C97CC4A20}" type="presParOf" srcId="{ED3163A0-5225-4A90-9D12-B5BDBC061F22}" destId="{464904C4-8447-4312-9AF0-14F58F448518}" srcOrd="0" destOrd="0" presId="urn:microsoft.com/office/officeart/2005/8/layout/hierarchy2"/>
     <dgm:cxn modelId="{01849A2F-F6C0-4585-B141-76B7719CCCAC}" type="presParOf" srcId="{464904C4-8447-4312-9AF0-14F58F448518}" destId="{464150E0-23B7-46D3-B520-13D3C3C2F45B}" srcOrd="0" destOrd="0" presId="urn:microsoft.com/office/officeart/2005/8/layout/hierarchy2"/>
     <dgm:cxn modelId="{8940E366-FA59-4A4C-9F15-785AD456BA69}" type="presParOf" srcId="{464904C4-8447-4312-9AF0-14F58F448518}" destId="{607F1B9E-84EE-4729-A422-C41AC59CD33D}" srcOrd="1" destOrd="0" presId="urn:microsoft.com/office/officeart/2005/8/layout/hierarchy2"/>
-    <dgm:cxn modelId="{E82731B6-59C2-4534-BDF4-00D37442CC55}" type="presParOf" srcId="{607F1B9E-84EE-4729-A422-C41AC59CD33D}" destId="{88957D49-3B92-4B78-8378-ED248B315E0A}" srcOrd="0" destOrd="0" presId="urn:microsoft.com/office/officeart/2005/8/layout/hierarchy2"/>
-    <dgm:cxn modelId="{D77B56FE-432D-4007-9DF4-8DCF11BE9695}" type="presParOf" srcId="{88957D49-3B92-4B78-8378-ED248B315E0A}" destId="{247BFA70-9EBD-4E35-9404-25EB1B0946B6}" srcOrd="0" destOrd="0" presId="urn:microsoft.com/office/officeart/2005/8/layout/hierarchy2"/>
-    <dgm:cxn modelId="{8261EBE3-1F16-498D-AC53-7AEF67169DEC}" type="presParOf" srcId="{607F1B9E-84EE-4729-A422-C41AC59CD33D}" destId="{7ED90FA7-B6FD-48A3-97AD-4B21400A224C}" srcOrd="1" destOrd="0" presId="urn:microsoft.com/office/officeart/2005/8/layout/hierarchy2"/>
-    <dgm:cxn modelId="{0756C1DF-0B3B-4F87-9D91-B652BD21EFC6}" type="presParOf" srcId="{7ED90FA7-B6FD-48A3-97AD-4B21400A224C}" destId="{2CF7503E-BCBB-4FFB-93A2-567BCE51FF1C}" srcOrd="0" destOrd="0" presId="urn:microsoft.com/office/officeart/2005/8/layout/hierarchy2"/>
-    <dgm:cxn modelId="{F765F324-F602-4246-A893-420E2CD8CD29}" type="presParOf" srcId="{7ED90FA7-B6FD-48A3-97AD-4B21400A224C}" destId="{A0527CFD-C870-4039-A0FE-04935CA05E64}" srcOrd="1" destOrd="0" presId="urn:microsoft.com/office/officeart/2005/8/layout/hierarchy2"/>
-    <dgm:cxn modelId="{18B6FD69-D922-4C5E-BF12-4C639DEEB0A0}" type="presParOf" srcId="{A0527CFD-C870-4039-A0FE-04935CA05E64}" destId="{4ED19001-C940-4E07-BE7E-EF171D3E2593}" srcOrd="0" destOrd="0" presId="urn:microsoft.com/office/officeart/2005/8/layout/hierarchy2"/>
-    <dgm:cxn modelId="{52A23B7A-F59C-42BD-AEEF-66C564857010}" type="presParOf" srcId="{4ED19001-C940-4E07-BE7E-EF171D3E2593}" destId="{450F2E98-7A90-4C9A-8564-C4AFBCBF68FC}" srcOrd="0" destOrd="0" presId="urn:microsoft.com/office/officeart/2005/8/layout/hierarchy2"/>
-    <dgm:cxn modelId="{C533FF31-C499-4FFA-B992-419762F1EB29}" type="presParOf" srcId="{A0527CFD-C870-4039-A0FE-04935CA05E64}" destId="{E140B54D-90AF-4222-89F3-59BB15139D7A}" srcOrd="1" destOrd="0" presId="urn:microsoft.com/office/officeart/2005/8/layout/hierarchy2"/>
-    <dgm:cxn modelId="{D4C3E721-781F-4077-9993-3F94A6DD73A6}" type="presParOf" srcId="{E140B54D-90AF-4222-89F3-59BB15139D7A}" destId="{127D5E68-0366-45F6-9876-B8A343324F3C}" srcOrd="0" destOrd="0" presId="urn:microsoft.com/office/officeart/2005/8/layout/hierarchy2"/>
-    <dgm:cxn modelId="{0C5CE846-39E6-4834-94C2-EDAC0587F0E7}" type="presParOf" srcId="{E140B54D-90AF-4222-89F3-59BB15139D7A}" destId="{E7185BB7-6F42-43CD-88A6-F25F29ED3D05}" srcOrd="1" destOrd="0" presId="urn:microsoft.com/office/officeart/2005/8/layout/hierarchy2"/>
-    <dgm:cxn modelId="{0893E6A2-47A2-4515-BE9B-9870CB2763E7}" type="presParOf" srcId="{607F1B9E-84EE-4729-A422-C41AC59CD33D}" destId="{24142CD8-CA9C-411F-B6DA-E34832DC94A8}" srcOrd="2" destOrd="0" presId="urn:microsoft.com/office/officeart/2005/8/layout/hierarchy2"/>
-    <dgm:cxn modelId="{13E24E2B-E669-4222-8EAF-D079F18B7456}" type="presParOf" srcId="{24142CD8-CA9C-411F-B6DA-E34832DC94A8}" destId="{81D56306-D5F1-4C97-A510-6739E81AA9EE}" srcOrd="0" destOrd="0" presId="urn:microsoft.com/office/officeart/2005/8/layout/hierarchy2"/>
-    <dgm:cxn modelId="{1E334353-48B6-473F-A94E-8CFFB61190BE}" type="presParOf" srcId="{607F1B9E-84EE-4729-A422-C41AC59CD33D}" destId="{587563C8-086D-46C4-8B03-BD4C90F93793}" srcOrd="3" destOrd="0" presId="urn:microsoft.com/office/officeart/2005/8/layout/hierarchy2"/>
-    <dgm:cxn modelId="{37FC6A00-3C8C-4716-BDF9-AD2B453AD813}" type="presParOf" srcId="{587563C8-086D-46C4-8B03-BD4C90F93793}" destId="{BE59C136-737E-4FD5-871A-AB62C69237FE}" srcOrd="0" destOrd="0" presId="urn:microsoft.com/office/officeart/2005/8/layout/hierarchy2"/>
-    <dgm:cxn modelId="{2A4B7F56-9E4F-4BA7-B523-D3970470DC55}" type="presParOf" srcId="{587563C8-086D-46C4-8B03-BD4C90F93793}" destId="{647E4F31-B730-48B9-8372-2915718C3A7C}" srcOrd="1" destOrd="0" presId="urn:microsoft.com/office/officeart/2005/8/layout/hierarchy2"/>
-    <dgm:cxn modelId="{5A07015B-3C81-4579-8E1F-66058C85EA55}" type="presParOf" srcId="{647E4F31-B730-48B9-8372-2915718C3A7C}" destId="{A48D5D06-FEE2-4B33-A232-12442A1E2DDB}" srcOrd="0" destOrd="0" presId="urn:microsoft.com/office/officeart/2005/8/layout/hierarchy2"/>
-    <dgm:cxn modelId="{978EB844-78A2-4735-A104-F899F2D3B683}" type="presParOf" srcId="{A48D5D06-FEE2-4B33-A232-12442A1E2DDB}" destId="{4D3E1405-464E-45DA-981E-FC4FF557173C}" srcOrd="0" destOrd="0" presId="urn:microsoft.com/office/officeart/2005/8/layout/hierarchy2"/>
-    <dgm:cxn modelId="{373D2CE9-168D-4110-877C-25D4EF8926FD}" type="presParOf" srcId="{647E4F31-B730-48B9-8372-2915718C3A7C}" destId="{F0B49B60-3006-4C7D-B397-43D4E400F8A0}" srcOrd="1" destOrd="0" presId="urn:microsoft.com/office/officeart/2005/8/layout/hierarchy2"/>
-    <dgm:cxn modelId="{F1709B33-1327-4604-B465-5594D353C871}" type="presParOf" srcId="{F0B49B60-3006-4C7D-B397-43D4E400F8A0}" destId="{4E7AB27D-50E1-4C74-A5AE-918F16657F8A}" srcOrd="0" destOrd="0" presId="urn:microsoft.com/office/officeart/2005/8/layout/hierarchy2"/>
-    <dgm:cxn modelId="{EFAE17D8-9890-4E0A-A9D1-B17C46A43165}" type="presParOf" srcId="{F0B49B60-3006-4C7D-B397-43D4E400F8A0}" destId="{C777792F-CA98-4D42-B664-9CE5F42585D8}" srcOrd="1" destOrd="0" presId="urn:microsoft.com/office/officeart/2005/8/layout/hierarchy2"/>
-    <dgm:cxn modelId="{4D349736-7DA0-44E8-9338-965FF8FED3A0}" type="presParOf" srcId="{647E4F31-B730-48B9-8372-2915718C3A7C}" destId="{8622CF06-5B57-4AE9-BDA2-B00464DC3DF4}" srcOrd="2" destOrd="0" presId="urn:microsoft.com/office/officeart/2005/8/layout/hierarchy2"/>
-    <dgm:cxn modelId="{0A6501EE-A034-4ECB-9217-4306B0E15E6F}" type="presParOf" srcId="{8622CF06-5B57-4AE9-BDA2-B00464DC3DF4}" destId="{182CD8EE-FBE7-4BB6-B426-D658C1808C5F}" srcOrd="0" destOrd="0" presId="urn:microsoft.com/office/officeart/2005/8/layout/hierarchy2"/>
-    <dgm:cxn modelId="{1F6994BC-4EEB-4649-A732-374864E95048}" type="presParOf" srcId="{647E4F31-B730-48B9-8372-2915718C3A7C}" destId="{AAE4FE34-3C02-4554-BF6E-AFD95DBBA854}" srcOrd="3" destOrd="0" presId="urn:microsoft.com/office/officeart/2005/8/layout/hierarchy2"/>
-    <dgm:cxn modelId="{4587F875-CBC5-443E-8FA4-359ADC4EC245}" type="presParOf" srcId="{AAE4FE34-3C02-4554-BF6E-AFD95DBBA854}" destId="{2A1DA7E9-FCC8-4953-ABCC-7C18FB4F64D0}" srcOrd="0" destOrd="0" presId="urn:microsoft.com/office/officeart/2005/8/layout/hierarchy2"/>
-    <dgm:cxn modelId="{2B0E7E5A-BCA5-4100-8C5C-D83572C9ADD2}" type="presParOf" srcId="{AAE4FE34-3C02-4554-BF6E-AFD95DBBA854}" destId="{1121C9C1-FF2E-4176-963F-5288A339D348}" srcOrd="1" destOrd="0" presId="urn:microsoft.com/office/officeart/2005/8/layout/hierarchy2"/>
-    <dgm:cxn modelId="{188D8A67-FA9B-4ADF-9ABA-3BA530ED7270}" type="presParOf" srcId="{647E4F31-B730-48B9-8372-2915718C3A7C}" destId="{C69FEE0F-1F22-44F1-A749-643C2967A977}" srcOrd="4" destOrd="0" presId="urn:microsoft.com/office/officeart/2005/8/layout/hierarchy2"/>
-    <dgm:cxn modelId="{1C8F1943-77EC-45E4-8678-E6DBC745F953}" type="presParOf" srcId="{C69FEE0F-1F22-44F1-A749-643C2967A977}" destId="{9D1D0CE1-2A79-4972-A40E-2F9D89204263}" srcOrd="0" destOrd="0" presId="urn:microsoft.com/office/officeart/2005/8/layout/hierarchy2"/>
-    <dgm:cxn modelId="{A502A48B-D50D-4F52-85A7-5D541136A981}" type="presParOf" srcId="{647E4F31-B730-48B9-8372-2915718C3A7C}" destId="{0EF2FC6D-BDC6-4C90-89F0-85FFC1A980E5}" srcOrd="5" destOrd="0" presId="urn:microsoft.com/office/officeart/2005/8/layout/hierarchy2"/>
-    <dgm:cxn modelId="{F9627A14-FD61-479D-9F48-30A65685D0D2}" type="presParOf" srcId="{0EF2FC6D-BDC6-4C90-89F0-85FFC1A980E5}" destId="{F5971B80-431D-459E-9EB6-AAD7E2D5CAB6}" srcOrd="0" destOrd="0" presId="urn:microsoft.com/office/officeart/2005/8/layout/hierarchy2"/>
-    <dgm:cxn modelId="{F904A246-3D1A-4107-951B-82ADD3897DC7}" type="presParOf" srcId="{0EF2FC6D-BDC6-4C90-89F0-85FFC1A980E5}" destId="{045B67A7-7037-410A-9EE2-9162C867B065}" srcOrd="1" destOrd="0" presId="urn:microsoft.com/office/officeart/2005/8/layout/hierarchy2"/>
+    <dgm:cxn modelId="{5658F6FD-E79D-470C-9C9F-71360D85FD01}" type="presParOf" srcId="{607F1B9E-84EE-4729-A422-C41AC59CD33D}" destId="{1906E22A-B686-4EAC-8E5C-5CDF439C5236}" srcOrd="0" destOrd="0" presId="urn:microsoft.com/office/officeart/2005/8/layout/hierarchy2"/>
+    <dgm:cxn modelId="{F3F0E199-5B67-4C7A-A11E-E50B9D251A89}" type="presParOf" srcId="{1906E22A-B686-4EAC-8E5C-5CDF439C5236}" destId="{02A4E05C-AD6F-44AC-B4E8-D812854542D2}" srcOrd="0" destOrd="0" presId="urn:microsoft.com/office/officeart/2005/8/layout/hierarchy2"/>
+    <dgm:cxn modelId="{8942A32A-9E74-4A51-B5B8-1C8B17C5E2AF}" type="presParOf" srcId="{607F1B9E-84EE-4729-A422-C41AC59CD33D}" destId="{E0791A76-5B36-4F59-B2F5-7C927ED03ED0}" srcOrd="1" destOrd="0" presId="urn:microsoft.com/office/officeart/2005/8/layout/hierarchy2"/>
+    <dgm:cxn modelId="{2211AAFE-9A9B-4E99-AA2B-7C6FC3C53F23}" type="presParOf" srcId="{E0791A76-5B36-4F59-B2F5-7C927ED03ED0}" destId="{6D849D88-3776-49E8-AD87-51842936BB0D}" srcOrd="0" destOrd="0" presId="urn:microsoft.com/office/officeart/2005/8/layout/hierarchy2"/>
+    <dgm:cxn modelId="{B4126164-C76E-4242-9303-887642E0CAE7}" type="presParOf" srcId="{E0791A76-5B36-4F59-B2F5-7C927ED03ED0}" destId="{F0290EAA-5BE0-4E9F-A152-699F7C838457}" srcOrd="1" destOrd="0" presId="urn:microsoft.com/office/officeart/2005/8/layout/hierarchy2"/>
+    <dgm:cxn modelId="{9412321D-8A0C-4C41-8990-1389C0A54E3F}" type="presParOf" srcId="{F0290EAA-5BE0-4E9F-A152-699F7C838457}" destId="{F36CBE2B-B85A-42E6-A838-A29351B433F9}" srcOrd="0" destOrd="0" presId="urn:microsoft.com/office/officeart/2005/8/layout/hierarchy2"/>
+    <dgm:cxn modelId="{2150D702-33F4-4166-9EC7-82803838F5D4}" type="presParOf" srcId="{F36CBE2B-B85A-42E6-A838-A29351B433F9}" destId="{B56291DF-7F59-4DAD-8772-A72FD152941B}" srcOrd="0" destOrd="0" presId="urn:microsoft.com/office/officeart/2005/8/layout/hierarchy2"/>
+    <dgm:cxn modelId="{AEA731BD-F9B5-4FDC-9141-B9F40DA05F88}" type="presParOf" srcId="{F0290EAA-5BE0-4E9F-A152-699F7C838457}" destId="{8CD72388-1BD1-49FB-99E3-E088FE737794}" srcOrd="1" destOrd="0" presId="urn:microsoft.com/office/officeart/2005/8/layout/hierarchy2"/>
+    <dgm:cxn modelId="{9B69085B-DE2F-498A-9AE5-7BFED0C3829E}" type="presParOf" srcId="{8CD72388-1BD1-49FB-99E3-E088FE737794}" destId="{B9EB919D-D3F9-4C96-B884-CF8E6847D8B1}" srcOrd="0" destOrd="0" presId="urn:microsoft.com/office/officeart/2005/8/layout/hierarchy2"/>
+    <dgm:cxn modelId="{D2FA3C5A-C051-4EDD-B248-B1950747EFC3}" type="presParOf" srcId="{8CD72388-1BD1-49FB-99E3-E088FE737794}" destId="{4D28C3EE-8968-4225-AC4F-4F16E55DA12F}" srcOrd="1" destOrd="0" presId="urn:microsoft.com/office/officeart/2005/8/layout/hierarchy2"/>
+    <dgm:cxn modelId="{B8EF1967-3EC5-4ACE-9FBB-9A3D72FCBC29}" type="presParOf" srcId="{607F1B9E-84EE-4729-A422-C41AC59CD33D}" destId="{88957D49-3B92-4B78-8378-ED248B315E0A}" srcOrd="2" destOrd="0" presId="urn:microsoft.com/office/officeart/2005/8/layout/hierarchy2"/>
+    <dgm:cxn modelId="{8929AC2D-2978-4348-A773-FF01942B10B0}" type="presParOf" srcId="{88957D49-3B92-4B78-8378-ED248B315E0A}" destId="{247BFA70-9EBD-4E35-9404-25EB1B0946B6}" srcOrd="0" destOrd="0" presId="urn:microsoft.com/office/officeart/2005/8/layout/hierarchy2"/>
+    <dgm:cxn modelId="{9D774A98-9F40-4F8E-82AA-B2A05F5B34B1}" type="presParOf" srcId="{607F1B9E-84EE-4729-A422-C41AC59CD33D}" destId="{7ED90FA7-B6FD-48A3-97AD-4B21400A224C}" srcOrd="3" destOrd="0" presId="urn:microsoft.com/office/officeart/2005/8/layout/hierarchy2"/>
+    <dgm:cxn modelId="{5F92B188-25C2-407C-BE1F-6BA9F3BA67AE}" type="presParOf" srcId="{7ED90FA7-B6FD-48A3-97AD-4B21400A224C}" destId="{2CF7503E-BCBB-4FFB-93A2-567BCE51FF1C}" srcOrd="0" destOrd="0" presId="urn:microsoft.com/office/officeart/2005/8/layout/hierarchy2"/>
+    <dgm:cxn modelId="{4FEA332A-B3FB-4073-B991-5D8E4B560102}" type="presParOf" srcId="{7ED90FA7-B6FD-48A3-97AD-4B21400A224C}" destId="{A0527CFD-C870-4039-A0FE-04935CA05E64}" srcOrd="1" destOrd="0" presId="urn:microsoft.com/office/officeart/2005/8/layout/hierarchy2"/>
+    <dgm:cxn modelId="{CC881BB2-FBA3-4760-BB68-831FE36CF1F0}" type="presParOf" srcId="{A0527CFD-C870-4039-A0FE-04935CA05E64}" destId="{4ED19001-C940-4E07-BE7E-EF171D3E2593}" srcOrd="0" destOrd="0" presId="urn:microsoft.com/office/officeart/2005/8/layout/hierarchy2"/>
+    <dgm:cxn modelId="{DC727C50-3153-4C7D-914D-56B7A4AC301A}" type="presParOf" srcId="{4ED19001-C940-4E07-BE7E-EF171D3E2593}" destId="{450F2E98-7A90-4C9A-8564-C4AFBCBF68FC}" srcOrd="0" destOrd="0" presId="urn:microsoft.com/office/officeart/2005/8/layout/hierarchy2"/>
+    <dgm:cxn modelId="{9DA34C88-384C-4D45-907A-94DF69694F13}" type="presParOf" srcId="{A0527CFD-C870-4039-A0FE-04935CA05E64}" destId="{E140B54D-90AF-4222-89F3-59BB15139D7A}" srcOrd="1" destOrd="0" presId="urn:microsoft.com/office/officeart/2005/8/layout/hierarchy2"/>
+    <dgm:cxn modelId="{885B78BF-A6E2-45AA-BD74-5254E07FBEC6}" type="presParOf" srcId="{E140B54D-90AF-4222-89F3-59BB15139D7A}" destId="{127D5E68-0366-45F6-9876-B8A343324F3C}" srcOrd="0" destOrd="0" presId="urn:microsoft.com/office/officeart/2005/8/layout/hierarchy2"/>
+    <dgm:cxn modelId="{63068BCF-6FE3-4460-966D-F51A1EC8A36C}" type="presParOf" srcId="{E140B54D-90AF-4222-89F3-59BB15139D7A}" destId="{E7185BB7-6F42-43CD-88A6-F25F29ED3D05}" srcOrd="1" destOrd="0" presId="urn:microsoft.com/office/officeart/2005/8/layout/hierarchy2"/>
+    <dgm:cxn modelId="{092762BF-CE49-4BA6-BC9B-2083F1F07A22}" type="presParOf" srcId="{607F1B9E-84EE-4729-A422-C41AC59CD33D}" destId="{24142CD8-CA9C-411F-B6DA-E34832DC94A8}" srcOrd="4" destOrd="0" presId="urn:microsoft.com/office/officeart/2005/8/layout/hierarchy2"/>
+    <dgm:cxn modelId="{68508B56-FFF9-4CCC-B3D4-245DEE3E7296}" type="presParOf" srcId="{24142CD8-CA9C-411F-B6DA-E34832DC94A8}" destId="{81D56306-D5F1-4C97-A510-6739E81AA9EE}" srcOrd="0" destOrd="0" presId="urn:microsoft.com/office/officeart/2005/8/layout/hierarchy2"/>
+    <dgm:cxn modelId="{DDA376EB-CECD-4EDC-92A2-BFAEC48763AD}" type="presParOf" srcId="{607F1B9E-84EE-4729-A422-C41AC59CD33D}" destId="{587563C8-086D-46C4-8B03-BD4C90F93793}" srcOrd="5" destOrd="0" presId="urn:microsoft.com/office/officeart/2005/8/layout/hierarchy2"/>
+    <dgm:cxn modelId="{A07157BF-6571-4C4D-A1A3-76DB60A9580C}" type="presParOf" srcId="{587563C8-086D-46C4-8B03-BD4C90F93793}" destId="{BE59C136-737E-4FD5-871A-AB62C69237FE}" srcOrd="0" destOrd="0" presId="urn:microsoft.com/office/officeart/2005/8/layout/hierarchy2"/>
+    <dgm:cxn modelId="{55A78B68-9154-4803-BB06-BCCB01D5305B}" type="presParOf" srcId="{587563C8-086D-46C4-8B03-BD4C90F93793}" destId="{647E4F31-B730-48B9-8372-2915718C3A7C}" srcOrd="1" destOrd="0" presId="urn:microsoft.com/office/officeart/2005/8/layout/hierarchy2"/>
+    <dgm:cxn modelId="{138A940C-AD2C-48CE-8D99-A040425D52C2}" type="presParOf" srcId="{647E4F31-B730-48B9-8372-2915718C3A7C}" destId="{A48D5D06-FEE2-4B33-A232-12442A1E2DDB}" srcOrd="0" destOrd="0" presId="urn:microsoft.com/office/officeart/2005/8/layout/hierarchy2"/>
+    <dgm:cxn modelId="{FBC25040-0645-4D3C-A76C-115A6A4E1820}" type="presParOf" srcId="{A48D5D06-FEE2-4B33-A232-12442A1E2DDB}" destId="{4D3E1405-464E-45DA-981E-FC4FF557173C}" srcOrd="0" destOrd="0" presId="urn:microsoft.com/office/officeart/2005/8/layout/hierarchy2"/>
+    <dgm:cxn modelId="{867C2AB6-9103-4F6F-B1C0-CECAD2955CDA}" type="presParOf" srcId="{647E4F31-B730-48B9-8372-2915718C3A7C}" destId="{F0B49B60-3006-4C7D-B397-43D4E400F8A0}" srcOrd="1" destOrd="0" presId="urn:microsoft.com/office/officeart/2005/8/layout/hierarchy2"/>
+    <dgm:cxn modelId="{53792D3C-D0B9-4535-B32C-27E4E4FDF07C}" type="presParOf" srcId="{F0B49B60-3006-4C7D-B397-43D4E400F8A0}" destId="{4E7AB27D-50E1-4C74-A5AE-918F16657F8A}" srcOrd="0" destOrd="0" presId="urn:microsoft.com/office/officeart/2005/8/layout/hierarchy2"/>
+    <dgm:cxn modelId="{19DA9D74-DED6-4739-A60A-570FF8A5E996}" type="presParOf" srcId="{F0B49B60-3006-4C7D-B397-43D4E400F8A0}" destId="{C777792F-CA98-4D42-B664-9CE5F42585D8}" srcOrd="1" destOrd="0" presId="urn:microsoft.com/office/officeart/2005/8/layout/hierarchy2"/>
+    <dgm:cxn modelId="{CD9A0750-76DA-41F6-A4B8-C0C5E7DBC1BE}" type="presParOf" srcId="{647E4F31-B730-48B9-8372-2915718C3A7C}" destId="{8622CF06-5B57-4AE9-BDA2-B00464DC3DF4}" srcOrd="2" destOrd="0" presId="urn:microsoft.com/office/officeart/2005/8/layout/hierarchy2"/>
+    <dgm:cxn modelId="{6B23DD82-4424-4C28-8459-D9A1E4FAEB49}" type="presParOf" srcId="{8622CF06-5B57-4AE9-BDA2-B00464DC3DF4}" destId="{182CD8EE-FBE7-4BB6-B426-D658C1808C5F}" srcOrd="0" destOrd="0" presId="urn:microsoft.com/office/officeart/2005/8/layout/hierarchy2"/>
+    <dgm:cxn modelId="{BE0D2049-BC23-40B4-943D-D80A6403396F}" type="presParOf" srcId="{647E4F31-B730-48B9-8372-2915718C3A7C}" destId="{AAE4FE34-3C02-4554-BF6E-AFD95DBBA854}" srcOrd="3" destOrd="0" presId="urn:microsoft.com/office/officeart/2005/8/layout/hierarchy2"/>
+    <dgm:cxn modelId="{F4D3C4FC-209A-4E94-9E2A-6FE75CCCE633}" type="presParOf" srcId="{AAE4FE34-3C02-4554-BF6E-AFD95DBBA854}" destId="{2A1DA7E9-FCC8-4953-ABCC-7C18FB4F64D0}" srcOrd="0" destOrd="0" presId="urn:microsoft.com/office/officeart/2005/8/layout/hierarchy2"/>
+    <dgm:cxn modelId="{17196007-26F7-4237-BE37-3CAD4E694E6B}" type="presParOf" srcId="{AAE4FE34-3C02-4554-BF6E-AFD95DBBA854}" destId="{1121C9C1-FF2E-4176-963F-5288A339D348}" srcOrd="1" destOrd="0" presId="urn:microsoft.com/office/officeart/2005/8/layout/hierarchy2"/>
+    <dgm:cxn modelId="{542AD200-DD0A-4D82-94BC-B6E93D58D5C8}" type="presParOf" srcId="{647E4F31-B730-48B9-8372-2915718C3A7C}" destId="{C69FEE0F-1F22-44F1-A749-643C2967A977}" srcOrd="4" destOrd="0" presId="urn:microsoft.com/office/officeart/2005/8/layout/hierarchy2"/>
+    <dgm:cxn modelId="{63976FB9-332B-4358-819E-83A7591C2AD1}" type="presParOf" srcId="{C69FEE0F-1F22-44F1-A749-643C2967A977}" destId="{9D1D0CE1-2A79-4972-A40E-2F9D89204263}" srcOrd="0" destOrd="0" presId="urn:microsoft.com/office/officeart/2005/8/layout/hierarchy2"/>
+    <dgm:cxn modelId="{387AF9D3-4BD2-419F-8758-0077BF7F0B0A}" type="presParOf" srcId="{647E4F31-B730-48B9-8372-2915718C3A7C}" destId="{0EF2FC6D-BDC6-4C90-89F0-85FFC1A980E5}" srcOrd="5" destOrd="0" presId="urn:microsoft.com/office/officeart/2005/8/layout/hierarchy2"/>
+    <dgm:cxn modelId="{226DB96C-2028-40F7-8455-CBECC889FB63}" type="presParOf" srcId="{0EF2FC6D-BDC6-4C90-89F0-85FFC1A980E5}" destId="{F5971B80-431D-459E-9EB6-AAD7E2D5CAB6}" srcOrd="0" destOrd="0" presId="urn:microsoft.com/office/officeart/2005/8/layout/hierarchy2"/>
+    <dgm:cxn modelId="{C70F740B-CE8A-4E94-B9BF-71CDF636C42B}" type="presParOf" srcId="{0EF2FC6D-BDC6-4C90-89F0-85FFC1A980E5}" destId="{045B67A7-7037-410A-9EE2-9162C867B065}" srcOrd="1" destOrd="0" presId="urn:microsoft.com/office/officeart/2005/8/layout/hierarchy2"/>
   </dgm:cxnLst>
   <dgm:bg/>
   <dgm:whole/>
@@ -1408,8 +1588,8 @@
       </dsp:nvSpPr>
       <dsp:spPr>
         <a:xfrm>
-          <a:off x="3286" y="1201569"/>
-          <a:ext cx="1649917" cy="824958"/>
+          <a:off x="305533" y="1287073"/>
+          <a:ext cx="1490839" cy="745419"/>
         </a:xfrm>
         <a:prstGeom prst="roundRect">
           <a:avLst>
@@ -1478,19 +1658,19 @@
         </a:p>
       </dsp:txBody>
       <dsp:txXfrm>
-        <a:off x="27448" y="1225731"/>
-        <a:ext cx="1601593" cy="776634"/>
+        <a:off x="327366" y="1308906"/>
+        <a:ext cx="1447173" cy="701753"/>
       </dsp:txXfrm>
     </dsp:sp>
-    <dsp:sp modelId="{88957D49-3B92-4B78-8378-ED248B315E0A}">
+    <dsp:sp modelId="{1906E22A-B686-4EAC-8E5C-5CDF439C5236}">
       <dsp:nvSpPr>
         <dsp:cNvPr id="0" name=""/>
         <dsp:cNvSpPr/>
       </dsp:nvSpPr>
       <dsp:spPr>
-        <a:xfrm rot="18289469">
-          <a:off x="1405347" y="1121921"/>
-          <a:ext cx="1155678" cy="35551"/>
+        <a:xfrm rot="17692822">
+          <a:off x="1385840" y="1000796"/>
+          <a:ext cx="1417400" cy="32124"/>
         </a:xfrm>
         <a:custGeom>
           <a:avLst/>
@@ -1501,10 +1681,10 @@
           <a:pathLst>
             <a:path>
               <a:moveTo>
-                <a:pt x="0" y="17775"/>
+                <a:pt x="0" y="16062"/>
               </a:moveTo>
               <a:lnTo>
-                <a:pt x="1155678" y="17775"/>
+                <a:pt x="1417400" y="16062"/>
               </a:lnTo>
             </a:path>
           </a:pathLst>
@@ -1543,7 +1723,7 @@
         </a:bodyPr>
         <a:lstStyle/>
         <a:p>
-          <a:pPr marL="0" lvl="0" indent="0" algn="ctr" defTabSz="44450">
+          <a:pPr marL="0" lvl="0" indent="0" algn="ctr" defTabSz="222250">
             <a:lnSpc>
               <a:spcPct val="90000"/>
             </a:lnSpc>
@@ -1555,23 +1735,23 @@
             </a:spcAft>
             <a:buNone/>
           </a:pPr>
-          <a:endParaRPr lang="nb-NO" sz="100" kern="1200"/>
+          <a:endParaRPr lang="nb-NO" sz="500" kern="1200"/>
         </a:p>
       </dsp:txBody>
       <dsp:txXfrm>
-        <a:off x="1954295" y="1110805"/>
-        <a:ext cx="57783" cy="57783"/>
+        <a:off x="2059106" y="981423"/>
+        <a:ext cx="70870" cy="70870"/>
       </dsp:txXfrm>
     </dsp:sp>
-    <dsp:sp modelId="{2CF7503E-BCBB-4FFB-93A2-567BCE51FF1C}">
+    <dsp:sp modelId="{6D849D88-3776-49E8-AD87-51842936BB0D}">
       <dsp:nvSpPr>
         <dsp:cNvPr id="0" name=""/>
         <dsp:cNvSpPr/>
       </dsp:nvSpPr>
       <dsp:spPr>
         <a:xfrm>
-          <a:off x="2313170" y="252866"/>
-          <a:ext cx="1649917" cy="824958"/>
+          <a:off x="2392709" y="1223"/>
+          <a:ext cx="1490839" cy="745419"/>
         </a:xfrm>
         <a:prstGeom prst="roundRect">
           <a:avLst>
@@ -1630,26 +1810,25 @@
             <a:buNone/>
           </a:pPr>
           <a:r>
-            <a:rPr lang="nb-NO" sz="1800" kern="1200" dirty="0" err="1"/>
-            <a:t>project</a:t>
+            <a:rPr lang="nb-NO" sz="1800" kern="1200" dirty="0"/>
+            <a:t>Project1</a:t>
           </a:r>
-          <a:endParaRPr lang="nb-NO" sz="1800" kern="1200" dirty="0"/>
         </a:p>
       </dsp:txBody>
       <dsp:txXfrm>
-        <a:off x="2337332" y="277028"/>
-        <a:ext cx="1601593" cy="776634"/>
+        <a:off x="2414542" y="23056"/>
+        <a:ext cx="1447173" cy="701753"/>
       </dsp:txXfrm>
     </dsp:sp>
-    <dsp:sp modelId="{4ED19001-C940-4E07-BE7E-EF171D3E2593}">
+    <dsp:sp modelId="{F36CBE2B-B85A-42E6-A838-A29351B433F9}">
       <dsp:nvSpPr>
         <dsp:cNvPr id="0" name=""/>
         <dsp:cNvSpPr/>
       </dsp:nvSpPr>
       <dsp:spPr>
         <a:xfrm>
-          <a:off x="3963087" y="647570"/>
-          <a:ext cx="659966" cy="35551"/>
+          <a:off x="3883548" y="357871"/>
+          <a:ext cx="596335" cy="32124"/>
         </a:xfrm>
         <a:custGeom>
           <a:avLst/>
@@ -1660,10 +1839,329 @@
           <a:pathLst>
             <a:path>
               <a:moveTo>
-                <a:pt x="0" y="17775"/>
+                <a:pt x="0" y="16062"/>
               </a:moveTo>
               <a:lnTo>
-                <a:pt x="659966" y="17775"/>
+                <a:pt x="596335" y="16062"/>
+              </a:lnTo>
+            </a:path>
+          </a:pathLst>
+        </a:custGeom>
+        <a:noFill/>
+        <a:ln w="12700" cap="flat" cmpd="sng" algn="ctr">
+          <a:solidFill>
+            <a:schemeClr val="accent1">
+              <a:shade val="80000"/>
+              <a:hueOff val="0"/>
+              <a:satOff val="0"/>
+              <a:lumOff val="0"/>
+              <a:alphaOff val="0"/>
+            </a:schemeClr>
+          </a:solidFill>
+          <a:prstDash val="solid"/>
+          <a:miter lim="800000"/>
+        </a:ln>
+        <a:effectLst/>
+      </dsp:spPr>
+      <dsp:style>
+        <a:lnRef idx="2">
+          <a:scrgbClr r="0" g="0" b="0"/>
+        </a:lnRef>
+        <a:fillRef idx="0">
+          <a:scrgbClr r="0" g="0" b="0"/>
+        </a:fillRef>
+        <a:effectRef idx="0">
+          <a:scrgbClr r="0" g="0" b="0"/>
+        </a:effectRef>
+        <a:fontRef idx="minor"/>
+      </dsp:style>
+      <dsp:txBody>
+        <a:bodyPr spcFirstLastPara="0" vert="horz" wrap="square" lIns="12700" tIns="0" rIns="12700" bIns="0" numCol="1" spcCol="1270" anchor="ctr" anchorCtr="0">
+          <a:noAutofit/>
+        </a:bodyPr>
+        <a:lstStyle/>
+        <a:p>
+          <a:pPr marL="0" lvl="0" indent="0" algn="ctr" defTabSz="222250">
+            <a:lnSpc>
+              <a:spcPct val="90000"/>
+            </a:lnSpc>
+            <a:spcBef>
+              <a:spcPct val="0"/>
+            </a:spcBef>
+            <a:spcAft>
+              <a:spcPct val="35000"/>
+            </a:spcAft>
+            <a:buNone/>
+          </a:pPr>
+          <a:endParaRPr lang="nb-NO" sz="500" kern="1200"/>
+        </a:p>
+      </dsp:txBody>
+      <dsp:txXfrm>
+        <a:off x="4166808" y="359025"/>
+        <a:ext cx="29816" cy="29816"/>
+      </dsp:txXfrm>
+    </dsp:sp>
+    <dsp:sp modelId="{B9EB919D-D3F9-4C96-B884-CF8E6847D8B1}">
+      <dsp:nvSpPr>
+        <dsp:cNvPr id="0" name=""/>
+        <dsp:cNvSpPr/>
+      </dsp:nvSpPr>
+      <dsp:spPr>
+        <a:xfrm>
+          <a:off x="4479884" y="1223"/>
+          <a:ext cx="1490839" cy="745419"/>
+        </a:xfrm>
+        <a:prstGeom prst="roundRect">
+          <a:avLst>
+            <a:gd name="adj" fmla="val 10000"/>
+          </a:avLst>
+        </a:prstGeom>
+        <a:solidFill>
+          <a:srgbClr val="4472C4">
+            <a:hueOff val="0"/>
+            <a:satOff val="0"/>
+            <a:lumOff val="0"/>
+            <a:alphaOff val="0"/>
+          </a:srgbClr>
+        </a:solidFill>
+        <a:ln w="12700" cap="flat" cmpd="sng" algn="ctr">
+          <a:solidFill>
+            <a:prstClr val="white">
+              <a:hueOff val="0"/>
+              <a:satOff val="0"/>
+              <a:lumOff val="0"/>
+              <a:alphaOff val="0"/>
+            </a:prstClr>
+          </a:solidFill>
+          <a:prstDash val="solid"/>
+          <a:miter lim="800000"/>
+        </a:ln>
+        <a:effectLst/>
+      </dsp:spPr>
+      <dsp:style>
+        <a:lnRef idx="2">
+          <a:scrgbClr r="0" g="0" b="0"/>
+        </a:lnRef>
+        <a:fillRef idx="1">
+          <a:scrgbClr r="0" g="0" b="0"/>
+        </a:fillRef>
+        <a:effectRef idx="0">
+          <a:scrgbClr r="0" g="0" b="0"/>
+        </a:effectRef>
+        <a:fontRef idx="minor">
+          <a:schemeClr val="lt1"/>
+        </a:fontRef>
+      </dsp:style>
+      <dsp:txBody>
+        <a:bodyPr spcFirstLastPara="0" vert="horz" wrap="square" lIns="11430" tIns="11430" rIns="11430" bIns="11430" numCol="1" spcCol="1270" anchor="ctr" anchorCtr="0">
+          <a:noAutofit/>
+        </a:bodyPr>
+        <a:lstStyle/>
+        <a:p>
+          <a:pPr marL="0" lvl="0" indent="0" algn="ctr" defTabSz="800100">
+            <a:lnSpc>
+              <a:spcPct val="90000"/>
+            </a:lnSpc>
+            <a:spcBef>
+              <a:spcPct val="0"/>
+            </a:spcBef>
+            <a:spcAft>
+              <a:spcPct val="35000"/>
+            </a:spcAft>
+            <a:buNone/>
+          </a:pPr>
+          <a:r>
+            <a:rPr lang="nb-NO" sz="1800" kern="1200" dirty="0"/>
+            <a:t>main.py</a:t>
+          </a:r>
+        </a:p>
+      </dsp:txBody>
+      <dsp:txXfrm>
+        <a:off x="4501717" y="23056"/>
+        <a:ext cx="1447173" cy="701753"/>
+      </dsp:txXfrm>
+    </dsp:sp>
+    <dsp:sp modelId="{88957D49-3B92-4B78-8378-ED248B315E0A}">
+      <dsp:nvSpPr>
+        <dsp:cNvPr id="0" name=""/>
+        <dsp:cNvSpPr/>
+      </dsp:nvSpPr>
+      <dsp:spPr>
+        <a:xfrm rot="19457599">
+          <a:off x="1727346" y="1429412"/>
+          <a:ext cx="734389" cy="32124"/>
+        </a:xfrm>
+        <a:custGeom>
+          <a:avLst/>
+          <a:gdLst/>
+          <a:ahLst/>
+          <a:cxnLst/>
+          <a:rect l="0" t="0" r="0" b="0"/>
+          <a:pathLst>
+            <a:path>
+              <a:moveTo>
+                <a:pt x="0" y="16062"/>
+              </a:moveTo>
+              <a:lnTo>
+                <a:pt x="734389" y="16062"/>
+              </a:lnTo>
+            </a:path>
+          </a:pathLst>
+        </a:custGeom>
+        <a:noFill/>
+        <a:ln w="12700" cap="flat" cmpd="sng" algn="ctr">
+          <a:solidFill>
+            <a:schemeClr val="accent1">
+              <a:shade val="60000"/>
+              <a:hueOff val="0"/>
+              <a:satOff val="0"/>
+              <a:lumOff val="0"/>
+              <a:alphaOff val="0"/>
+            </a:schemeClr>
+          </a:solidFill>
+          <a:prstDash val="solid"/>
+          <a:miter lim="800000"/>
+        </a:ln>
+        <a:effectLst/>
+      </dsp:spPr>
+      <dsp:style>
+        <a:lnRef idx="2">
+          <a:scrgbClr r="0" g="0" b="0"/>
+        </a:lnRef>
+        <a:fillRef idx="0">
+          <a:scrgbClr r="0" g="0" b="0"/>
+        </a:fillRef>
+        <a:effectRef idx="0">
+          <a:scrgbClr r="0" g="0" b="0"/>
+        </a:effectRef>
+        <a:fontRef idx="minor"/>
+      </dsp:style>
+      <dsp:txBody>
+        <a:bodyPr spcFirstLastPara="0" vert="horz" wrap="square" lIns="12700" tIns="0" rIns="12700" bIns="0" numCol="1" spcCol="1270" anchor="ctr" anchorCtr="0">
+          <a:noAutofit/>
+        </a:bodyPr>
+        <a:lstStyle/>
+        <a:p>
+          <a:pPr marL="0" lvl="0" indent="0" algn="ctr" defTabSz="44450">
+            <a:lnSpc>
+              <a:spcPct val="90000"/>
+            </a:lnSpc>
+            <a:spcBef>
+              <a:spcPct val="0"/>
+            </a:spcBef>
+            <a:spcAft>
+              <a:spcPct val="35000"/>
+            </a:spcAft>
+            <a:buNone/>
+          </a:pPr>
+          <a:endParaRPr lang="nb-NO" sz="100" kern="1200"/>
+        </a:p>
+      </dsp:txBody>
+      <dsp:txXfrm>
+        <a:off x="2076181" y="1427115"/>
+        <a:ext cx="36719" cy="36719"/>
+      </dsp:txXfrm>
+    </dsp:sp>
+    <dsp:sp modelId="{2CF7503E-BCBB-4FFB-93A2-567BCE51FF1C}">
+      <dsp:nvSpPr>
+        <dsp:cNvPr id="0" name=""/>
+        <dsp:cNvSpPr/>
+      </dsp:nvSpPr>
+      <dsp:spPr>
+        <a:xfrm>
+          <a:off x="2392709" y="858456"/>
+          <a:ext cx="1490839" cy="745419"/>
+        </a:xfrm>
+        <a:prstGeom prst="roundRect">
+          <a:avLst>
+            <a:gd name="adj" fmla="val 10000"/>
+          </a:avLst>
+        </a:prstGeom>
+        <a:solidFill>
+          <a:schemeClr val="accent6">
+            <a:lumMod val="50000"/>
+          </a:schemeClr>
+        </a:solidFill>
+        <a:ln w="12700" cap="flat" cmpd="sng" algn="ctr">
+          <a:solidFill>
+            <a:schemeClr val="lt1">
+              <a:hueOff val="0"/>
+              <a:satOff val="0"/>
+              <a:lumOff val="0"/>
+              <a:alphaOff val="0"/>
+            </a:schemeClr>
+          </a:solidFill>
+          <a:prstDash val="solid"/>
+          <a:miter lim="800000"/>
+        </a:ln>
+        <a:effectLst/>
+      </dsp:spPr>
+      <dsp:style>
+        <a:lnRef idx="2">
+          <a:scrgbClr r="0" g="0" b="0"/>
+        </a:lnRef>
+        <a:fillRef idx="1">
+          <a:scrgbClr r="0" g="0" b="0"/>
+        </a:fillRef>
+        <a:effectRef idx="0">
+          <a:scrgbClr r="0" g="0" b="0"/>
+        </a:effectRef>
+        <a:fontRef idx="minor">
+          <a:schemeClr val="lt1"/>
+        </a:fontRef>
+      </dsp:style>
+      <dsp:txBody>
+        <a:bodyPr spcFirstLastPara="0" vert="horz" wrap="square" lIns="11430" tIns="11430" rIns="11430" bIns="11430" numCol="1" spcCol="1270" anchor="ctr" anchorCtr="0">
+          <a:noAutofit/>
+        </a:bodyPr>
+        <a:lstStyle/>
+        <a:p>
+          <a:pPr marL="0" lvl="0" indent="0" algn="ctr" defTabSz="800100">
+            <a:lnSpc>
+              <a:spcPct val="90000"/>
+            </a:lnSpc>
+            <a:spcBef>
+              <a:spcPct val="0"/>
+            </a:spcBef>
+            <a:spcAft>
+              <a:spcPct val="35000"/>
+            </a:spcAft>
+            <a:buNone/>
+          </a:pPr>
+          <a:r>
+            <a:rPr lang="nb-NO" sz="1800" kern="1200" dirty="0"/>
+            <a:t>project2</a:t>
+          </a:r>
+        </a:p>
+      </dsp:txBody>
+      <dsp:txXfrm>
+        <a:off x="2414542" y="880289"/>
+        <a:ext cx="1447173" cy="701753"/>
+      </dsp:txXfrm>
+    </dsp:sp>
+    <dsp:sp modelId="{4ED19001-C940-4E07-BE7E-EF171D3E2593}">
+      <dsp:nvSpPr>
+        <dsp:cNvPr id="0" name=""/>
+        <dsp:cNvSpPr/>
+      </dsp:nvSpPr>
+      <dsp:spPr>
+        <a:xfrm>
+          <a:off x="3883548" y="1215104"/>
+          <a:ext cx="596335" cy="32124"/>
+        </a:xfrm>
+        <a:custGeom>
+          <a:avLst/>
+          <a:gdLst/>
+          <a:ahLst/>
+          <a:cxnLst/>
+          <a:rect l="0" t="0" r="0" b="0"/>
+          <a:pathLst>
+            <a:path>
+              <a:moveTo>
+                <a:pt x="0" y="16062"/>
+              </a:moveTo>
+              <a:lnTo>
+                <a:pt x="596335" y="16062"/>
               </a:lnTo>
             </a:path>
           </a:pathLst>
@@ -1718,8 +2216,8 @@
         </a:p>
       </dsp:txBody>
       <dsp:txXfrm>
-        <a:off x="4276571" y="648846"/>
-        <a:ext cx="32998" cy="32998"/>
+        <a:off x="4166808" y="1216258"/>
+        <a:ext cx="29816" cy="29816"/>
       </dsp:txXfrm>
     </dsp:sp>
     <dsp:sp modelId="{127D5E68-0366-45F6-9876-B8A343324F3C}">
@@ -1729,8 +2227,8 @@
       </dsp:nvSpPr>
       <dsp:spPr>
         <a:xfrm>
-          <a:off x="4623054" y="252866"/>
-          <a:ext cx="1649917" cy="824958"/>
+          <a:off x="4479884" y="858456"/>
+          <a:ext cx="1490839" cy="745419"/>
         </a:xfrm>
         <a:prstGeom prst="roundRect">
           <a:avLst>
@@ -1793,13 +2291,13 @@
           </a:pPr>
           <a:r>
             <a:rPr lang="nb-NO" sz="1800" kern="1200" dirty="0"/>
-            <a:t>myproject.py</a:t>
+            <a:t>main.py</a:t>
           </a:r>
         </a:p>
       </dsp:txBody>
       <dsp:txXfrm>
-        <a:off x="4647216" y="277028"/>
-        <a:ext cx="1601593" cy="776634"/>
+        <a:off x="4501717" y="880289"/>
+        <a:ext cx="1447173" cy="701753"/>
       </dsp:txXfrm>
     </dsp:sp>
     <dsp:sp modelId="{24142CD8-CA9C-411F-B6DA-E34832DC94A8}">
@@ -1808,9 +2306,9 @@
         <dsp:cNvSpPr/>
       </dsp:nvSpPr>
       <dsp:spPr>
-        <a:xfrm rot="3310531">
-          <a:off x="1405347" y="2070623"/>
-          <a:ext cx="1155678" cy="35551"/>
+        <a:xfrm rot="3907178">
+          <a:off x="1385840" y="2286645"/>
+          <a:ext cx="1417400" cy="32124"/>
         </a:xfrm>
         <a:custGeom>
           <a:avLst/>
@@ -1821,10 +2319,10 @@
           <a:pathLst>
             <a:path>
               <a:moveTo>
-                <a:pt x="0" y="17775"/>
+                <a:pt x="0" y="16062"/>
               </a:moveTo>
               <a:lnTo>
-                <a:pt x="1155678" y="17775"/>
+                <a:pt x="1417400" y="16062"/>
               </a:lnTo>
             </a:path>
           </a:pathLst>
@@ -1879,8 +2377,8 @@
         </a:p>
       </dsp:txBody>
       <dsp:txXfrm>
-        <a:off x="1954295" y="2059507"/>
-        <a:ext cx="57783" cy="57783"/>
+        <a:off x="2059106" y="2267272"/>
+        <a:ext cx="70870" cy="70870"/>
       </dsp:txXfrm>
     </dsp:sp>
     <dsp:sp modelId="{BE59C136-737E-4FD5-871A-AB62C69237FE}">
@@ -1890,8 +2388,8 @@
       </dsp:nvSpPr>
       <dsp:spPr>
         <a:xfrm>
-          <a:off x="2313170" y="2150271"/>
-          <a:ext cx="1649917" cy="824958"/>
+          <a:off x="2392709" y="2572922"/>
+          <a:ext cx="1490839" cy="745419"/>
         </a:xfrm>
         <a:prstGeom prst="roundRect">
           <a:avLst>
@@ -1957,8 +2455,8 @@
         </a:p>
       </dsp:txBody>
       <dsp:txXfrm>
-        <a:off x="2337332" y="2174433"/>
-        <a:ext cx="1601593" cy="776634"/>
+        <a:off x="2414542" y="2594755"/>
+        <a:ext cx="1447173" cy="701753"/>
       </dsp:txXfrm>
     </dsp:sp>
     <dsp:sp modelId="{A48D5D06-FEE2-4B33-A232-12442A1E2DDB}">
@@ -1968,8 +2466,8 @@
       </dsp:nvSpPr>
       <dsp:spPr>
         <a:xfrm rot="18289469">
-          <a:off x="3715231" y="2070623"/>
-          <a:ext cx="1155678" cy="35551"/>
+          <a:off x="3659590" y="2500953"/>
+          <a:ext cx="1044253" cy="32124"/>
         </a:xfrm>
         <a:custGeom>
           <a:avLst/>
@@ -1980,10 +2478,10 @@
           <a:pathLst>
             <a:path>
               <a:moveTo>
-                <a:pt x="0" y="17775"/>
+                <a:pt x="0" y="16062"/>
               </a:moveTo>
               <a:lnTo>
-                <a:pt x="1155678" y="17775"/>
+                <a:pt x="1044253" y="16062"/>
               </a:lnTo>
             </a:path>
           </a:pathLst>
@@ -2038,8 +2536,8 @@
         </a:p>
       </dsp:txBody>
       <dsp:txXfrm>
-        <a:off x="4264179" y="2059507"/>
-        <a:ext cx="57783" cy="57783"/>
+        <a:off x="4155610" y="2490909"/>
+        <a:ext cx="52212" cy="52212"/>
       </dsp:txXfrm>
     </dsp:sp>
     <dsp:sp modelId="{4E7AB27D-50E1-4C74-A5AE-918F16657F8A}">
@@ -2049,8 +2547,8 @@
       </dsp:nvSpPr>
       <dsp:spPr>
         <a:xfrm>
-          <a:off x="4623054" y="1201569"/>
-          <a:ext cx="1649917" cy="824958"/>
+          <a:off x="4479884" y="1715689"/>
+          <a:ext cx="1490839" cy="745419"/>
         </a:xfrm>
         <a:prstGeom prst="roundRect">
           <a:avLst>
@@ -2118,8 +2616,8 @@
         </a:p>
       </dsp:txBody>
       <dsp:txXfrm>
-        <a:off x="4647216" y="1225731"/>
-        <a:ext cx="1601593" cy="776634"/>
+        <a:off x="4501717" y="1737522"/>
+        <a:ext cx="1447173" cy="701753"/>
       </dsp:txXfrm>
     </dsp:sp>
     <dsp:sp modelId="{8622CF06-5B57-4AE9-BDA2-B00464DC3DF4}">
@@ -2129,8 +2627,8 @@
       </dsp:nvSpPr>
       <dsp:spPr>
         <a:xfrm>
-          <a:off x="3963087" y="2544974"/>
-          <a:ext cx="659966" cy="35551"/>
+          <a:off x="3883548" y="2929570"/>
+          <a:ext cx="596335" cy="32124"/>
         </a:xfrm>
         <a:custGeom>
           <a:avLst/>
@@ -2141,10 +2639,10 @@
           <a:pathLst>
             <a:path>
               <a:moveTo>
-                <a:pt x="0" y="17775"/>
+                <a:pt x="0" y="16062"/>
               </a:moveTo>
               <a:lnTo>
-                <a:pt x="659966" y="17775"/>
+                <a:pt x="596335" y="16062"/>
               </a:lnTo>
             </a:path>
           </a:pathLst>
@@ -2199,8 +2697,8 @@
         </a:p>
       </dsp:txBody>
       <dsp:txXfrm>
-        <a:off x="4276571" y="2546251"/>
-        <a:ext cx="32998" cy="32998"/>
+        <a:off x="4166808" y="2930724"/>
+        <a:ext cx="29816" cy="29816"/>
       </dsp:txXfrm>
     </dsp:sp>
     <dsp:sp modelId="{2A1DA7E9-FCC8-4953-ABCC-7C18FB4F64D0}">
@@ -2210,8 +2708,8 @@
       </dsp:nvSpPr>
       <dsp:spPr>
         <a:xfrm>
-          <a:off x="4623054" y="2150271"/>
-          <a:ext cx="1649917" cy="824958"/>
+          <a:off x="4479884" y="2572922"/>
+          <a:ext cx="1490839" cy="745419"/>
         </a:xfrm>
         <a:prstGeom prst="roundRect">
           <a:avLst>
@@ -2279,8 +2777,8 @@
         </a:p>
       </dsp:txBody>
       <dsp:txXfrm>
-        <a:off x="4647216" y="2174433"/>
-        <a:ext cx="1601593" cy="776634"/>
+        <a:off x="4501717" y="2594755"/>
+        <a:ext cx="1447173" cy="701753"/>
       </dsp:txXfrm>
     </dsp:sp>
     <dsp:sp modelId="{C69FEE0F-1F22-44F1-A749-643C2967A977}">
@@ -2290,8 +2788,8 @@
       </dsp:nvSpPr>
       <dsp:spPr>
         <a:xfrm rot="3310531">
-          <a:off x="3715231" y="3019326"/>
-          <a:ext cx="1155678" cy="35551"/>
+          <a:off x="3659590" y="3358186"/>
+          <a:ext cx="1044253" cy="32124"/>
         </a:xfrm>
         <a:custGeom>
           <a:avLst/>
@@ -2302,10 +2800,10 @@
           <a:pathLst>
             <a:path>
               <a:moveTo>
-                <a:pt x="0" y="17775"/>
+                <a:pt x="0" y="16062"/>
               </a:moveTo>
               <a:lnTo>
-                <a:pt x="1155678" y="17775"/>
+                <a:pt x="1044253" y="16062"/>
               </a:lnTo>
             </a:path>
           </a:pathLst>
@@ -2360,8 +2858,8 @@
         </a:p>
       </dsp:txBody>
       <dsp:txXfrm>
-        <a:off x="4264179" y="3008209"/>
-        <a:ext cx="57783" cy="57783"/>
+        <a:off x="4155610" y="3348142"/>
+        <a:ext cx="52212" cy="52212"/>
       </dsp:txXfrm>
     </dsp:sp>
     <dsp:sp modelId="{F5971B80-431D-459E-9EB6-AAD7E2D5CAB6}">
@@ -2371,8 +2869,8 @@
       </dsp:nvSpPr>
       <dsp:spPr>
         <a:xfrm>
-          <a:off x="4623054" y="3098973"/>
-          <a:ext cx="1649917" cy="824958"/>
+          <a:off x="4479884" y="3430155"/>
+          <a:ext cx="1490839" cy="745419"/>
         </a:xfrm>
         <a:prstGeom prst="roundRect">
           <a:avLst>
@@ -2435,8 +2933,8 @@
         </a:p>
       </dsp:txBody>
       <dsp:txXfrm>
-        <a:off x="4647216" y="3123135"/>
-        <a:ext cx="1601593" cy="776634"/>
+        <a:off x="4501717" y="3451988"/>
+        <a:ext cx="1447173" cy="701753"/>
       </dsp:txXfrm>
     </dsp:sp>
   </dsp:spTree>
@@ -3946,7 +4444,7 @@
           <a:p>
             <a:fld id="{83FDC47F-B61E-428A-997C-AD04C42ECF77}" type="datetimeFigureOut">
               <a:rPr lang="nb-NO" smtClean="0"/>
-              <a:t>29.09.2021</a:t>
+              <a:t>01.10.2021</a:t>
             </a:fld>
             <a:endParaRPr lang="nb-NO"/>
           </a:p>
@@ -4146,7 +4644,7 @@
           <a:p>
             <a:fld id="{83FDC47F-B61E-428A-997C-AD04C42ECF77}" type="datetimeFigureOut">
               <a:rPr lang="nb-NO" smtClean="0"/>
-              <a:t>29.09.2021</a:t>
+              <a:t>01.10.2021</a:t>
             </a:fld>
             <a:endParaRPr lang="nb-NO"/>
           </a:p>
@@ -4356,7 +4854,7 @@
           <a:p>
             <a:fld id="{83FDC47F-B61E-428A-997C-AD04C42ECF77}" type="datetimeFigureOut">
               <a:rPr lang="nb-NO" smtClean="0"/>
-              <a:t>29.09.2021</a:t>
+              <a:t>01.10.2021</a:t>
             </a:fld>
             <a:endParaRPr lang="nb-NO"/>
           </a:p>
@@ -4556,7 +5054,7 @@
           <a:p>
             <a:fld id="{83FDC47F-B61E-428A-997C-AD04C42ECF77}" type="datetimeFigureOut">
               <a:rPr lang="nb-NO" smtClean="0"/>
-              <a:t>29.09.2021</a:t>
+              <a:t>01.10.2021</a:t>
             </a:fld>
             <a:endParaRPr lang="nb-NO"/>
           </a:p>
@@ -4832,7 +5330,7 @@
           <a:p>
             <a:fld id="{83FDC47F-B61E-428A-997C-AD04C42ECF77}" type="datetimeFigureOut">
               <a:rPr lang="nb-NO" smtClean="0"/>
-              <a:t>29.09.2021</a:t>
+              <a:t>01.10.2021</a:t>
             </a:fld>
             <a:endParaRPr lang="nb-NO"/>
           </a:p>
@@ -5100,7 +5598,7 @@
           <a:p>
             <a:fld id="{83FDC47F-B61E-428A-997C-AD04C42ECF77}" type="datetimeFigureOut">
               <a:rPr lang="nb-NO" smtClean="0"/>
-              <a:t>29.09.2021</a:t>
+              <a:t>01.10.2021</a:t>
             </a:fld>
             <a:endParaRPr lang="nb-NO"/>
           </a:p>
@@ -5515,7 +6013,7 @@
           <a:p>
             <a:fld id="{83FDC47F-B61E-428A-997C-AD04C42ECF77}" type="datetimeFigureOut">
               <a:rPr lang="nb-NO" smtClean="0"/>
-              <a:t>29.09.2021</a:t>
+              <a:t>01.10.2021</a:t>
             </a:fld>
             <a:endParaRPr lang="nb-NO"/>
           </a:p>
@@ -5657,7 +6155,7 @@
           <a:p>
             <a:fld id="{83FDC47F-B61E-428A-997C-AD04C42ECF77}" type="datetimeFigureOut">
               <a:rPr lang="nb-NO" smtClean="0"/>
-              <a:t>29.09.2021</a:t>
+              <a:t>01.10.2021</a:t>
             </a:fld>
             <a:endParaRPr lang="nb-NO"/>
           </a:p>
@@ -5770,7 +6268,7 @@
           <a:p>
             <a:fld id="{83FDC47F-B61E-428A-997C-AD04C42ECF77}" type="datetimeFigureOut">
               <a:rPr lang="nb-NO" smtClean="0"/>
-              <a:t>29.09.2021</a:t>
+              <a:t>01.10.2021</a:t>
             </a:fld>
             <a:endParaRPr lang="nb-NO"/>
           </a:p>
@@ -6083,7 +6581,7 @@
           <a:p>
             <a:fld id="{83FDC47F-B61E-428A-997C-AD04C42ECF77}" type="datetimeFigureOut">
               <a:rPr lang="nb-NO" smtClean="0"/>
-              <a:t>29.09.2021</a:t>
+              <a:t>01.10.2021</a:t>
             </a:fld>
             <a:endParaRPr lang="nb-NO"/>
           </a:p>
@@ -6372,7 +6870,7 @@
           <a:p>
             <a:fld id="{83FDC47F-B61E-428A-997C-AD04C42ECF77}" type="datetimeFigureOut">
               <a:rPr lang="nb-NO" smtClean="0"/>
-              <a:t>29.09.2021</a:t>
+              <a:t>01.10.2021</a:t>
             </a:fld>
             <a:endParaRPr lang="nb-NO"/>
           </a:p>
@@ -6615,7 +7113,7 @@
           <a:p>
             <a:fld id="{83FDC47F-B61E-428A-997C-AD04C42ECF77}" type="datetimeFigureOut">
               <a:rPr lang="nb-NO" smtClean="0"/>
-              <a:t>29.09.2021</a:t>
+              <a:t>01.10.2021</a:t>
             </a:fld>
             <a:endParaRPr lang="nb-NO"/>
           </a:p>
@@ -7045,7 +7543,7 @@
           <p:nvPr>
             <p:extLst>
               <p:ext uri="{D42A27DB-BD31-4B8C-83A1-F6EECF244321}">
-                <p14:modId xmlns:p14="http://schemas.microsoft.com/office/powerpoint/2010/main" val="2793212457"/>
+                <p14:modId xmlns:p14="http://schemas.microsoft.com/office/powerpoint/2010/main" val="2088130664"/>
               </p:ext>
             </p:extLst>
           </p:nvPr>
